--- a/Documents/Poster_v1.pptx
+++ b/Documents/Poster_v1.pptx
@@ -125,6 +125,10 @@
     </p:ext>
   </p:extLst>
 </p:presentation>
+</file>
+
+<file path=ppt/revisionInfo.xml><?xml version="1.0" encoding="utf-8"?>
+<p1510:revInfo xmlns:a="http://schemas.openxmlformats.org/drawingml/2006/main" xmlns:r="http://schemas.openxmlformats.org/officeDocument/2006/relationships" xmlns:p1510="http://schemas.microsoft.com/office/powerpoint/2015/10/main"/>
 </file>
 
 <file path=ppt/diagrams/colors1.xml><?xml version="1.0" encoding="utf-8"?>
@@ -1713,45 +1717,6 @@
         </a:p>
       </dgm:t>
     </dgm:pt>
-    <dgm:pt modelId="{212CC67F-BCD8-4A45-AC92-CEF1A26DB8E4}">
-      <dgm:prSet phldrT="[Text]"/>
-      <dgm:spPr/>
-      <dgm:t>
-        <a:bodyPr/>
-        <a:lstStyle/>
-        <a:p>
-          <a:r>
-            <a:rPr lang="en-US" dirty="0">
-              <a:latin typeface="Arial"/>
-              <a:cs typeface="Arial"/>
-            </a:rPr>
-            <a:t>Sentient Server</a:t>
-          </a:r>
-        </a:p>
-      </dgm:t>
-    </dgm:pt>
-    <dgm:pt modelId="{3DB1C929-8F05-4654-B13F-5EC68A863CEF}" type="parTrans" cxnId="{6C4D5B18-A3EC-4BA3-A269-08998187FCFA}">
-      <dgm:prSet/>
-      <dgm:spPr/>
-      <dgm:t>
-        <a:bodyPr/>
-        <a:lstStyle/>
-        <a:p>
-          <a:endParaRPr lang="en-US"/>
-        </a:p>
-      </dgm:t>
-    </dgm:pt>
-    <dgm:pt modelId="{0196D709-DDC6-415A-8E7E-4B91103647D6}" type="sibTrans" cxnId="{6C4D5B18-A3EC-4BA3-A269-08998187FCFA}">
-      <dgm:prSet/>
-      <dgm:spPr/>
-      <dgm:t>
-        <a:bodyPr/>
-        <a:lstStyle/>
-        <a:p>
-          <a:endParaRPr lang="en-US"/>
-        </a:p>
-      </dgm:t>
-    </dgm:pt>
     <dgm:pt modelId="{52398F38-E6C3-A343-89EB-8B4480A81EFF}">
       <dgm:prSet/>
       <dgm:spPr/>
@@ -1788,7 +1753,46 @@
         </a:p>
       </dgm:t>
     </dgm:pt>
-    <dgm:pt modelId="{B1423A91-7B8B-450E-9292-CBE377DE234B}">
+    <dgm:pt modelId="{9495410B-AE73-4FB6-B251-3466B56E06AE}">
+      <dgm:prSet phldrT="[Text]"/>
+      <dgm:spPr/>
+      <dgm:t>
+        <a:bodyPr/>
+        <a:lstStyle/>
+        <a:p>
+          <a:r>
+            <a:rPr lang="en-US" dirty="0">
+              <a:latin typeface="Arial"/>
+              <a:cs typeface="Arial"/>
+            </a:rPr>
+            <a:t>Sentient Server</a:t>
+          </a:r>
+        </a:p>
+      </dgm:t>
+    </dgm:pt>
+    <dgm:pt modelId="{3156821C-7AC7-4475-BADD-8141F44F066A}" type="parTrans" cxnId="{744EAAAB-6610-4742-9421-65EC469C582D}">
+      <dgm:prSet/>
+      <dgm:spPr/>
+      <dgm:t>
+        <a:bodyPr/>
+        <a:lstStyle/>
+        <a:p>
+          <a:endParaRPr lang="en-US"/>
+        </a:p>
+      </dgm:t>
+    </dgm:pt>
+    <dgm:pt modelId="{0AF0C33B-5930-4204-992D-AEA8A3CC19E0}" type="sibTrans" cxnId="{744EAAAB-6610-4742-9421-65EC469C582D}">
+      <dgm:prSet/>
+      <dgm:spPr/>
+      <dgm:t>
+        <a:bodyPr/>
+        <a:lstStyle/>
+        <a:p>
+          <a:endParaRPr lang="en-US"/>
+        </a:p>
+      </dgm:t>
+    </dgm:pt>
+    <dgm:pt modelId="{65D43760-C639-49B7-9F17-80333A330729}">
       <dgm:prSet phldrT="[Text]"/>
       <dgm:spPr/>
       <dgm:t>
@@ -1805,7 +1809,7 @@
         </a:p>
       </dgm:t>
     </dgm:pt>
-    <dgm:pt modelId="{F3693A29-709C-42B9-8AC9-FD6A46E59C61}" type="sibTrans" cxnId="{FBEA8C57-8BFE-4A36-B51B-53CA5C5CEAAA}">
+    <dgm:pt modelId="{B25009D4-FD42-47B5-8B3F-C324163F3978}" type="parTrans" cxnId="{15C49808-DA74-40B0-8C5E-DBB1632CA336}">
       <dgm:prSet/>
       <dgm:spPr/>
       <dgm:t>
@@ -1816,7 +1820,7 @@
         </a:p>
       </dgm:t>
     </dgm:pt>
-    <dgm:pt modelId="{AA4C61AC-B318-46BA-A4F7-28B07D655364}" type="parTrans" cxnId="{FBEA8C57-8BFE-4A36-B51B-53CA5C5CEAAA}">
+    <dgm:pt modelId="{EDFD988C-6E96-4F64-8CEF-E0D09E8F4BB7}" type="sibTrans" cxnId="{15C49808-DA74-40B0-8C5E-DBB1632CA336}">
       <dgm:prSet/>
       <dgm:spPr/>
       <dgm:t>
@@ -1868,36 +1872,36 @@
       <dgm:prSet presAssocID="{D2DE1FAA-7767-451C-961C-A19EB2794AC9}" presName="connectorText" presStyleLbl="sibTrans2D1" presStyleIdx="1" presStyleCnt="4"/>
       <dgm:spPr/>
     </dgm:pt>
-    <dgm:pt modelId="{F28D48F6-107A-4550-B6B9-C13051479954}" type="pres">
-      <dgm:prSet presAssocID="{B1423A91-7B8B-450E-9292-CBE377DE234B}" presName="node" presStyleLbl="node1" presStyleIdx="2" presStyleCnt="5">
+    <dgm:pt modelId="{5DE98C45-CAD1-4063-B84C-C81C87B1E3C4}" type="pres">
+      <dgm:prSet presAssocID="{9495410B-AE73-4FB6-B251-3466B56E06AE}" presName="node" presStyleLbl="node1" presStyleIdx="2" presStyleCnt="5">
         <dgm:presLayoutVars>
           <dgm:bulletEnabled val="1"/>
         </dgm:presLayoutVars>
       </dgm:prSet>
       <dgm:spPr/>
     </dgm:pt>
-    <dgm:pt modelId="{65C8DC02-70C7-499B-9AA3-936FA568DEDB}" type="pres">
-      <dgm:prSet presAssocID="{F3693A29-709C-42B9-8AC9-FD6A46E59C61}" presName="sibTrans" presStyleLbl="sibTrans2D1" presStyleIdx="2" presStyleCnt="4"/>
+    <dgm:pt modelId="{F36063E1-C5F9-4D6C-9746-4D7FBB9E5237}" type="pres">
+      <dgm:prSet presAssocID="{0AF0C33B-5930-4204-992D-AEA8A3CC19E0}" presName="sibTrans" presStyleLbl="sibTrans2D1" presStyleIdx="2" presStyleCnt="4"/>
       <dgm:spPr/>
     </dgm:pt>
-    <dgm:pt modelId="{1A750EAA-89E0-43C3-957F-1C4B9F5F1F7D}" type="pres">
-      <dgm:prSet presAssocID="{F3693A29-709C-42B9-8AC9-FD6A46E59C61}" presName="connectorText" presStyleLbl="sibTrans2D1" presStyleIdx="2" presStyleCnt="4"/>
+    <dgm:pt modelId="{118A2EFE-E351-4D10-A235-A062466A4E39}" type="pres">
+      <dgm:prSet presAssocID="{0AF0C33B-5930-4204-992D-AEA8A3CC19E0}" presName="connectorText" presStyleLbl="sibTrans2D1" presStyleIdx="2" presStyleCnt="4"/>
       <dgm:spPr/>
     </dgm:pt>
-    <dgm:pt modelId="{D90032B6-418F-4ADB-BBCE-C328A0CEA39A}" type="pres">
-      <dgm:prSet presAssocID="{212CC67F-BCD8-4A45-AC92-CEF1A26DB8E4}" presName="node" presStyleLbl="node1" presStyleIdx="3" presStyleCnt="5">
+    <dgm:pt modelId="{8DF81C4A-7751-4562-8F03-0AA969FEB616}" type="pres">
+      <dgm:prSet presAssocID="{65D43760-C639-49B7-9F17-80333A330729}" presName="node" presStyleLbl="node1" presStyleIdx="3" presStyleCnt="5">
         <dgm:presLayoutVars>
           <dgm:bulletEnabled val="1"/>
         </dgm:presLayoutVars>
       </dgm:prSet>
       <dgm:spPr/>
     </dgm:pt>
-    <dgm:pt modelId="{BEDBB9A1-7F57-674C-8CDD-23AC1B178454}" type="pres">
-      <dgm:prSet presAssocID="{0196D709-DDC6-415A-8E7E-4B91103647D6}" presName="sibTrans" presStyleLbl="sibTrans2D1" presStyleIdx="3" presStyleCnt="4"/>
+    <dgm:pt modelId="{643BFEC2-94AE-4951-B6CB-30F947766356}" type="pres">
+      <dgm:prSet presAssocID="{EDFD988C-6E96-4F64-8CEF-E0D09E8F4BB7}" presName="sibTrans" presStyleLbl="sibTrans2D1" presStyleIdx="3" presStyleCnt="4"/>
       <dgm:spPr/>
     </dgm:pt>
-    <dgm:pt modelId="{68D28B46-81F7-F149-8A7D-FBC0F5507707}" type="pres">
-      <dgm:prSet presAssocID="{0196D709-DDC6-415A-8E7E-4B91103647D6}" presName="connectorText" presStyleLbl="sibTrans2D1" presStyleIdx="3" presStyleCnt="4"/>
+    <dgm:pt modelId="{8B36B38C-4763-4114-8389-1AA436BC1398}" type="pres">
+      <dgm:prSet presAssocID="{EDFD988C-6E96-4F64-8CEF-E0D09E8F4BB7}" presName="connectorText" presStyleLbl="sibTrans2D1" presStyleIdx="3" presStyleCnt="4"/>
       <dgm:spPr/>
     </dgm:pt>
     <dgm:pt modelId="{B3B6F10D-4D2C-DA4B-9C4D-F08B7A0B9433}" type="pres">
@@ -1910,23 +1914,23 @@
     </dgm:pt>
   </dgm:ptLst>
   <dgm:cxnLst>
-    <dgm:cxn modelId="{DEE60305-D9A6-0E4F-BE78-3C9DC68733F1}" type="presOf" srcId="{212CC67F-BCD8-4A45-AC92-CEF1A26DB8E4}" destId="{D90032B6-418F-4ADB-BBCE-C328A0CEA39A}" srcOrd="0" destOrd="0" presId="urn:microsoft.com/office/officeart/2005/8/layout/process1"/>
     <dgm:cxn modelId="{607A2008-E9A5-3748-9E9B-BA3DA122A047}" type="presOf" srcId="{D2DE1FAA-7767-451C-961C-A19EB2794AC9}" destId="{C89EE900-CE0F-4B5D-A146-EB5D6130FFF2}" srcOrd="1" destOrd="0" presId="urn:microsoft.com/office/officeart/2005/8/layout/process1"/>
+    <dgm:cxn modelId="{15C49808-DA74-40B0-8C5E-DBB1632CA336}" srcId="{A1FA9A1D-A47E-480F-B8BB-B6117BE7F0DD}" destId="{65D43760-C639-49B7-9F17-80333A330729}" srcOrd="3" destOrd="0" parTransId="{B25009D4-FD42-47B5-8B3F-C324163F3978}" sibTransId="{EDFD988C-6E96-4F64-8CEF-E0D09E8F4BB7}"/>
     <dgm:cxn modelId="{110D580E-30CB-D849-B282-512CB8C9CE5E}" type="presOf" srcId="{A0B22866-97D0-4FB4-8AF8-78DEE232ADD2}" destId="{DEF1B74E-D12B-4057-9779-4B7AD3D76D39}" srcOrd="0" destOrd="0" presId="urn:microsoft.com/office/officeart/2005/8/layout/process1"/>
     <dgm:cxn modelId="{F06AB011-77BD-684E-A62C-9F79EF46BC07}" type="presOf" srcId="{D2DE1FAA-7767-451C-961C-A19EB2794AC9}" destId="{FF3B2F5B-83ED-4DD7-8505-1EEB5CD3A440}" srcOrd="0" destOrd="0" presId="urn:microsoft.com/office/officeart/2005/8/layout/process1"/>
-    <dgm:cxn modelId="{6C4D5B18-A3EC-4BA3-A269-08998187FCFA}" srcId="{A1FA9A1D-A47E-480F-B8BB-B6117BE7F0DD}" destId="{212CC67F-BCD8-4A45-AC92-CEF1A26DB8E4}" srcOrd="3" destOrd="0" parTransId="{3DB1C929-8F05-4654-B13F-5EC68A863CEF}" sibTransId="{0196D709-DDC6-415A-8E7E-4B91103647D6}"/>
-    <dgm:cxn modelId="{4E0FDE19-FB7B-A948-9553-80BDEAF552C0}" type="presOf" srcId="{0196D709-DDC6-415A-8E7E-4B91103647D6}" destId="{BEDBB9A1-7F57-674C-8CDD-23AC1B178454}" srcOrd="0" destOrd="0" presId="urn:microsoft.com/office/officeart/2005/8/layout/process1"/>
+    <dgm:cxn modelId="{FFC13E31-529E-41F2-8A3F-E630EB426301}" type="presOf" srcId="{0AF0C33B-5930-4204-992D-AEA8A3CC19E0}" destId="{F36063E1-C5F9-4D6C-9746-4D7FBB9E5237}" srcOrd="0" destOrd="0" presId="urn:microsoft.com/office/officeart/2005/8/layout/process1"/>
     <dgm:cxn modelId="{461D2442-AD5B-4B48-9779-2BB74952023A}" type="presOf" srcId="{318E1B4C-DE38-4ECC-8F7A-D6AEB68F87C3}" destId="{CBFA9DA6-6D6C-4CAA-8BE4-0B037D7DD98E}" srcOrd="1" destOrd="0" presId="urn:microsoft.com/office/officeart/2005/8/layout/process1"/>
-    <dgm:cxn modelId="{C4423643-37B1-3A4E-BEA0-10A5F6809DBF}" type="presOf" srcId="{B1423A91-7B8B-450E-9292-CBE377DE234B}" destId="{F28D48F6-107A-4550-B6B9-C13051479954}" srcOrd="0" destOrd="0" presId="urn:microsoft.com/office/officeart/2005/8/layout/process1"/>
     <dgm:cxn modelId="{E135D163-0DF7-4FD2-ABD9-AD0D7EE1C188}" srcId="{A1FA9A1D-A47E-480F-B8BB-B6117BE7F0DD}" destId="{7A55F546-E146-4D78-AE4C-EDDC6C62426F}" srcOrd="1" destOrd="0" parTransId="{D7DBAB3D-970C-41AA-8159-638368D7C361}" sibTransId="{D2DE1FAA-7767-451C-961C-A19EB2794AC9}"/>
+    <dgm:cxn modelId="{EBCFB167-64D9-4755-B16E-32994A8F34A7}" type="presOf" srcId="{65D43760-C639-49B7-9F17-80333A330729}" destId="{8DF81C4A-7751-4562-8F03-0AA969FEB616}" srcOrd="0" destOrd="0" presId="urn:microsoft.com/office/officeart/2005/8/layout/process1"/>
     <dgm:cxn modelId="{D883E668-4F1E-4046-B90A-4CAC6A77D7F7}" type="presOf" srcId="{52398F38-E6C3-A343-89EB-8B4480A81EFF}" destId="{B3B6F10D-4D2C-DA4B-9C4D-F08B7A0B9433}" srcOrd="0" destOrd="0" presId="urn:microsoft.com/office/officeart/2005/8/layout/process1"/>
     <dgm:cxn modelId="{71CEF46C-FC25-4D92-9524-4943F6133624}" srcId="{A1FA9A1D-A47E-480F-B8BB-B6117BE7F0DD}" destId="{A0B22866-97D0-4FB4-8AF8-78DEE232ADD2}" srcOrd="0" destOrd="0" parTransId="{2CBEE9C1-66E7-45FD-8398-0CEE7702260F}" sibTransId="{318E1B4C-DE38-4ECC-8F7A-D6AEB68F87C3}"/>
-    <dgm:cxn modelId="{FBEA8C57-8BFE-4A36-B51B-53CA5C5CEAAA}" srcId="{A1FA9A1D-A47E-480F-B8BB-B6117BE7F0DD}" destId="{B1423A91-7B8B-450E-9292-CBE377DE234B}" srcOrd="2" destOrd="0" parTransId="{AA4C61AC-B318-46BA-A4F7-28B07D655364}" sibTransId="{F3693A29-709C-42B9-8AC9-FD6A46E59C61}"/>
-    <dgm:cxn modelId="{0B361D7D-EFDE-6944-892A-A8831359EF56}" type="presOf" srcId="{F3693A29-709C-42B9-8AC9-FD6A46E59C61}" destId="{1A750EAA-89E0-43C3-957F-1C4B9F5F1F7D}" srcOrd="1" destOrd="0" presId="urn:microsoft.com/office/officeart/2005/8/layout/process1"/>
     <dgm:cxn modelId="{931FBF85-4A74-FD45-A5B4-344F0E3571F8}" srcId="{A1FA9A1D-A47E-480F-B8BB-B6117BE7F0DD}" destId="{52398F38-E6C3-A343-89EB-8B4480A81EFF}" srcOrd="4" destOrd="0" parTransId="{2AF8BB52-EFBA-1540-AD93-C2D3E63F4D89}" sibTransId="{F3DF9571-0BF6-8740-968E-1B57B4191B5D}"/>
-    <dgm:cxn modelId="{3A1303C2-776F-8E4F-8FF6-1B6FABF2A292}" type="presOf" srcId="{F3693A29-709C-42B9-8AC9-FD6A46E59C61}" destId="{65C8DC02-70C7-499B-9AA3-936FA568DEDB}" srcOrd="0" destOrd="0" presId="urn:microsoft.com/office/officeart/2005/8/layout/process1"/>
+    <dgm:cxn modelId="{A083FFA9-39E3-4326-B1F1-FAC4741F38E3}" type="presOf" srcId="{EDFD988C-6E96-4F64-8CEF-E0D09E8F4BB7}" destId="{8B36B38C-4763-4114-8389-1AA436BC1398}" srcOrd="1" destOrd="0" presId="urn:microsoft.com/office/officeart/2005/8/layout/process1"/>
+    <dgm:cxn modelId="{744EAAAB-6610-4742-9421-65EC469C582D}" srcId="{A1FA9A1D-A47E-480F-B8BB-B6117BE7F0DD}" destId="{9495410B-AE73-4FB6-B251-3466B56E06AE}" srcOrd="2" destOrd="0" parTransId="{3156821C-7AC7-4475-BADD-8141F44F066A}" sibTransId="{0AF0C33B-5930-4204-992D-AEA8A3CC19E0}"/>
+    <dgm:cxn modelId="{E79C2FC6-9A65-424D-A503-0F3A78C147CF}" type="presOf" srcId="{EDFD988C-6E96-4F64-8CEF-E0D09E8F4BB7}" destId="{643BFEC2-94AE-4951-B6CB-30F947766356}" srcOrd="0" destOrd="0" presId="urn:microsoft.com/office/officeart/2005/8/layout/process1"/>
+    <dgm:cxn modelId="{97EA03CD-B074-4599-8D5C-580A69098413}" type="presOf" srcId="{9495410B-AE73-4FB6-B251-3466B56E06AE}" destId="{5DE98C45-CAD1-4063-B84C-C81C87B1E3C4}" srcOrd="0" destOrd="0" presId="urn:microsoft.com/office/officeart/2005/8/layout/process1"/>
     <dgm:cxn modelId="{7C2A68DA-E9B4-CC44-A172-7D55CB078DE7}" type="presOf" srcId="{A1FA9A1D-A47E-480F-B8BB-B6117BE7F0DD}" destId="{150044A2-A5AB-47F8-AC4D-477604922C81}" srcOrd="0" destOrd="0" presId="urn:microsoft.com/office/officeart/2005/8/layout/process1"/>
-    <dgm:cxn modelId="{7F0D42EC-0CA4-4C48-AF26-5749173DBF48}" type="presOf" srcId="{0196D709-DDC6-415A-8E7E-4B91103647D6}" destId="{68D28B46-81F7-F149-8A7D-FBC0F5507707}" srcOrd="1" destOrd="0" presId="urn:microsoft.com/office/officeart/2005/8/layout/process1"/>
+    <dgm:cxn modelId="{95FE3FF6-48C1-4984-8A81-33D4A0B6B1EF}" type="presOf" srcId="{0AF0C33B-5930-4204-992D-AEA8A3CC19E0}" destId="{118A2EFE-E351-4D10-A235-A062466A4E39}" srcOrd="1" destOrd="0" presId="urn:microsoft.com/office/officeart/2005/8/layout/process1"/>
     <dgm:cxn modelId="{A0FE59FE-B48F-5547-BD9E-E2C2CBA02A0A}" type="presOf" srcId="{7A55F546-E146-4D78-AE4C-EDDC6C62426F}" destId="{32643914-9CE1-4253-ABCE-4E4A2586D6B1}" srcOrd="0" destOrd="0" presId="urn:microsoft.com/office/officeart/2005/8/layout/process1"/>
     <dgm:cxn modelId="{9AE982FF-D2F5-0145-8B36-4E9374C3F397}" type="presOf" srcId="{318E1B4C-DE38-4ECC-8F7A-D6AEB68F87C3}" destId="{B1C54F19-18D9-43E8-A305-FF4E48F9FED2}" srcOrd="0" destOrd="0" presId="urn:microsoft.com/office/officeart/2005/8/layout/process1"/>
     <dgm:cxn modelId="{2544B98A-379B-0E47-971F-DAF21D418F9E}" type="presParOf" srcId="{150044A2-A5AB-47F8-AC4D-477604922C81}" destId="{DEF1B74E-D12B-4057-9779-4B7AD3D76D39}" srcOrd="0" destOrd="0" presId="urn:microsoft.com/office/officeart/2005/8/layout/process1"/>
@@ -1935,12 +1939,12 @@
     <dgm:cxn modelId="{4932E455-B891-854F-96DD-FA903410CA9C}" type="presParOf" srcId="{150044A2-A5AB-47F8-AC4D-477604922C81}" destId="{32643914-9CE1-4253-ABCE-4E4A2586D6B1}" srcOrd="2" destOrd="0" presId="urn:microsoft.com/office/officeart/2005/8/layout/process1"/>
     <dgm:cxn modelId="{EB14A16B-BA0C-A54F-B4AB-3375C80D1DDC}" type="presParOf" srcId="{150044A2-A5AB-47F8-AC4D-477604922C81}" destId="{FF3B2F5B-83ED-4DD7-8505-1EEB5CD3A440}" srcOrd="3" destOrd="0" presId="urn:microsoft.com/office/officeart/2005/8/layout/process1"/>
     <dgm:cxn modelId="{8219D3BB-0FAF-CD4B-9C35-1FA068D363AE}" type="presParOf" srcId="{FF3B2F5B-83ED-4DD7-8505-1EEB5CD3A440}" destId="{C89EE900-CE0F-4B5D-A146-EB5D6130FFF2}" srcOrd="0" destOrd="0" presId="urn:microsoft.com/office/officeart/2005/8/layout/process1"/>
-    <dgm:cxn modelId="{2B6B4EF8-B94D-FC44-B94B-BC7D4DC6FDFF}" type="presParOf" srcId="{150044A2-A5AB-47F8-AC4D-477604922C81}" destId="{F28D48F6-107A-4550-B6B9-C13051479954}" srcOrd="4" destOrd="0" presId="urn:microsoft.com/office/officeart/2005/8/layout/process1"/>
-    <dgm:cxn modelId="{B4D63468-4507-6247-8AA1-7F0D262A012D}" type="presParOf" srcId="{150044A2-A5AB-47F8-AC4D-477604922C81}" destId="{65C8DC02-70C7-499B-9AA3-936FA568DEDB}" srcOrd="5" destOrd="0" presId="urn:microsoft.com/office/officeart/2005/8/layout/process1"/>
-    <dgm:cxn modelId="{336B53E8-99B9-D246-8ECA-B1E023B08654}" type="presParOf" srcId="{65C8DC02-70C7-499B-9AA3-936FA568DEDB}" destId="{1A750EAA-89E0-43C3-957F-1C4B9F5F1F7D}" srcOrd="0" destOrd="0" presId="urn:microsoft.com/office/officeart/2005/8/layout/process1"/>
-    <dgm:cxn modelId="{8FA3AFA2-25AD-DD49-98E0-D0E7853490CD}" type="presParOf" srcId="{150044A2-A5AB-47F8-AC4D-477604922C81}" destId="{D90032B6-418F-4ADB-BBCE-C328A0CEA39A}" srcOrd="6" destOrd="0" presId="urn:microsoft.com/office/officeart/2005/8/layout/process1"/>
-    <dgm:cxn modelId="{073F776C-34AF-4541-9C1C-20EB5C2CFDCC}" type="presParOf" srcId="{150044A2-A5AB-47F8-AC4D-477604922C81}" destId="{BEDBB9A1-7F57-674C-8CDD-23AC1B178454}" srcOrd="7" destOrd="0" presId="urn:microsoft.com/office/officeart/2005/8/layout/process1"/>
-    <dgm:cxn modelId="{DE5647F5-7BC5-3641-9942-F38CDDE84F48}" type="presParOf" srcId="{BEDBB9A1-7F57-674C-8CDD-23AC1B178454}" destId="{68D28B46-81F7-F149-8A7D-FBC0F5507707}" srcOrd="0" destOrd="0" presId="urn:microsoft.com/office/officeart/2005/8/layout/process1"/>
+    <dgm:cxn modelId="{979EBA63-138F-4BEA-8253-F21BF697DB39}" type="presParOf" srcId="{150044A2-A5AB-47F8-AC4D-477604922C81}" destId="{5DE98C45-CAD1-4063-B84C-C81C87B1E3C4}" srcOrd="4" destOrd="0" presId="urn:microsoft.com/office/officeart/2005/8/layout/process1"/>
+    <dgm:cxn modelId="{302BD9F2-D032-44CE-A51C-2AF5BF83D5E2}" type="presParOf" srcId="{150044A2-A5AB-47F8-AC4D-477604922C81}" destId="{F36063E1-C5F9-4D6C-9746-4D7FBB9E5237}" srcOrd="5" destOrd="0" presId="urn:microsoft.com/office/officeart/2005/8/layout/process1"/>
+    <dgm:cxn modelId="{AB2AEB6F-997C-49C0-A404-E178C557C9DD}" type="presParOf" srcId="{F36063E1-C5F9-4D6C-9746-4D7FBB9E5237}" destId="{118A2EFE-E351-4D10-A235-A062466A4E39}" srcOrd="0" destOrd="0" presId="urn:microsoft.com/office/officeart/2005/8/layout/process1"/>
+    <dgm:cxn modelId="{6848A5D4-BE4C-4E17-B537-3FE35A516418}" type="presParOf" srcId="{150044A2-A5AB-47F8-AC4D-477604922C81}" destId="{8DF81C4A-7751-4562-8F03-0AA969FEB616}" srcOrd="6" destOrd="0" presId="urn:microsoft.com/office/officeart/2005/8/layout/process1"/>
+    <dgm:cxn modelId="{CDBB1739-AE09-4B37-943D-58A8D161216F}" type="presParOf" srcId="{150044A2-A5AB-47F8-AC4D-477604922C81}" destId="{643BFEC2-94AE-4951-B6CB-30F947766356}" srcOrd="7" destOrd="0" presId="urn:microsoft.com/office/officeart/2005/8/layout/process1"/>
+    <dgm:cxn modelId="{92D3D7C4-932E-4E82-B0B1-EB1D46BB19CC}" type="presParOf" srcId="{643BFEC2-94AE-4951-B6CB-30F947766356}" destId="{8B36B38C-4763-4114-8389-1AA436BC1398}" srcOrd="0" destOrd="0" presId="urn:microsoft.com/office/officeart/2005/8/layout/process1"/>
     <dgm:cxn modelId="{D111E4F8-3574-714B-ABB5-3A57B50BF743}" type="presParOf" srcId="{150044A2-A5AB-47F8-AC4D-477604922C81}" destId="{B3B6F10D-4D2C-DA4B-9C4D-F08B7A0B9433}" srcOrd="8" destOrd="0" presId="urn:microsoft.com/office/officeart/2005/8/layout/process1"/>
   </dgm:cxnLst>
   <dgm:bg/>
@@ -2849,7 +2853,7 @@
         <a:ext cx="298055" cy="298858"/>
       </dsp:txXfrm>
     </dsp:sp>
-    <dsp:sp modelId="{F28D48F6-107A-4550-B6B9-C13051479954}">
+    <dsp:sp modelId="{5DE98C45-CAD1-4063-B84C-C81C87B1E3C4}">
       <dsp:nvSpPr>
         <dsp:cNvPr id="0" name=""/>
         <dsp:cNvSpPr/>
@@ -2954,7 +2958,7 @@
               <a:latin typeface="Arial"/>
               <a:cs typeface="Arial"/>
             </a:rPr>
-            <a:t>Database</a:t>
+            <a:t>Sentient Server</a:t>
           </a:r>
         </a:p>
       </dsp:txBody>
@@ -2963,7 +2967,7 @@
         <a:ext cx="1937870" cy="1134486"/>
       </dsp:txXfrm>
     </dsp:sp>
-    <dsp:sp modelId="{65C8DC02-70C7-499B-9AA3-936FA568DEDB}">
+    <dsp:sp modelId="{F36063E1-C5F9-4D6C-9746-4D7FBB9E5237}">
       <dsp:nvSpPr>
         <dsp:cNvPr id="0" name=""/>
         <dsp:cNvSpPr/>
@@ -3068,7 +3072,7 @@
         <a:ext cx="298055" cy="298858"/>
       </dsp:txXfrm>
     </dsp:sp>
-    <dsp:sp modelId="{D90032B6-418F-4ADB-BBCE-C328A0CEA39A}">
+    <dsp:sp modelId="{8DF81C4A-7751-4562-8F03-0AA969FEB616}">
       <dsp:nvSpPr>
         <dsp:cNvPr id="0" name=""/>
         <dsp:cNvSpPr/>
@@ -3173,7 +3177,7 @@
               <a:latin typeface="Arial"/>
               <a:cs typeface="Arial"/>
             </a:rPr>
-            <a:t>Sentient Server</a:t>
+            <a:t>Database</a:t>
           </a:r>
         </a:p>
       </dsp:txBody>
@@ -3182,7 +3186,7 @@
         <a:ext cx="1937870" cy="1134486"/>
       </dsp:txXfrm>
     </dsp:sp>
-    <dsp:sp modelId="{BEDBB9A1-7F57-674C-8CDD-23AC1B178454}">
+    <dsp:sp modelId="{643BFEC2-94AE-4951-B6CB-30F947766356}">
       <dsp:nvSpPr>
         <dsp:cNvPr id="0" name=""/>
         <dsp:cNvSpPr/>
@@ -7509,7 +7513,7 @@
           <a:p>
             <a:fld id="{31B90245-05A3-4140-B3CD-38A01321A252}" type="datetimeFigureOut">
               <a:rPr kumimoji="1" lang="zh-TW" altLang="en-US" smtClean="0"/>
-              <a:t>2017/12/3</a:t>
+              <a:t>2017/12/4</a:t>
             </a:fld>
             <a:endParaRPr kumimoji="1" lang="zh-TW" altLang="en-US"/>
           </a:p>
@@ -7955,7 +7959,7 @@
           <a:p>
             <a:fld id="{5F9ADA15-E229-4312-A079-92E3956A26EB}" type="datetimeFigureOut">
               <a:rPr lang="en-IN" smtClean="0"/>
-              <a:t>03-12-2017</a:t>
+              <a:t>04-12-2017</a:t>
             </a:fld>
             <a:endParaRPr lang="en-IN"/>
           </a:p>
@@ -8227,7 +8231,7 @@
           <a:p>
             <a:fld id="{5F9ADA15-E229-4312-A079-92E3956A26EB}" type="datetimeFigureOut">
               <a:rPr lang="en-IN" smtClean="0"/>
-              <a:t>03-12-2017</a:t>
+              <a:t>04-12-2017</a:t>
             </a:fld>
             <a:endParaRPr lang="en-IN"/>
           </a:p>
@@ -8475,7 +8479,7 @@
           <a:p>
             <a:fld id="{5F9ADA15-E229-4312-A079-92E3956A26EB}" type="datetimeFigureOut">
               <a:rPr lang="en-IN" smtClean="0"/>
-              <a:t>03-12-2017</a:t>
+              <a:t>04-12-2017</a:t>
             </a:fld>
             <a:endParaRPr lang="en-IN"/>
           </a:p>
@@ -8640,7 +8644,7 @@
           <a:p>
             <a:fld id="{5F9ADA15-E229-4312-A079-92E3956A26EB}" type="datetimeFigureOut">
               <a:rPr lang="en-IN" smtClean="0"/>
-              <a:t>03-12-2017</a:t>
+              <a:t>04-12-2017</a:t>
             </a:fld>
             <a:endParaRPr lang="en-IN"/>
           </a:p>
@@ -8815,7 +8819,7 @@
           <a:p>
             <a:fld id="{5F9ADA15-E229-4312-A079-92E3956A26EB}" type="datetimeFigureOut">
               <a:rPr lang="en-IN" smtClean="0"/>
-              <a:t>03-12-2017</a:t>
+              <a:t>04-12-2017</a:t>
             </a:fld>
             <a:endParaRPr lang="en-IN"/>
           </a:p>
@@ -9052,7 +9056,7 @@
           <a:p>
             <a:fld id="{DC6FB0D1-CEE2-40AE-9EB4-80F6FA27BCF6}" type="datetimeFigureOut">
               <a:rPr lang="en-IN" smtClean="0"/>
-              <a:t>03-12-2017</a:t>
+              <a:t>04-12-2017</a:t>
             </a:fld>
             <a:endParaRPr lang="en-IN"/>
           </a:p>
@@ -9217,7 +9221,7 @@
           <a:p>
             <a:fld id="{DC6FB0D1-CEE2-40AE-9EB4-80F6FA27BCF6}" type="datetimeFigureOut">
               <a:rPr lang="en-IN" smtClean="0"/>
-              <a:t>03-12-2017</a:t>
+              <a:t>04-12-2017</a:t>
             </a:fld>
             <a:endParaRPr lang="en-IN"/>
           </a:p>
@@ -9458,7 +9462,7 @@
           <a:p>
             <a:fld id="{DC6FB0D1-CEE2-40AE-9EB4-80F6FA27BCF6}" type="datetimeFigureOut">
               <a:rPr lang="en-IN" smtClean="0"/>
-              <a:t>03-12-2017</a:t>
+              <a:t>04-12-2017</a:t>
             </a:fld>
             <a:endParaRPr lang="en-IN"/>
           </a:p>
@@ -9741,7 +9745,7 @@
           <a:p>
             <a:fld id="{DC6FB0D1-CEE2-40AE-9EB4-80F6FA27BCF6}" type="datetimeFigureOut">
               <a:rPr lang="en-IN" smtClean="0"/>
-              <a:t>03-12-2017</a:t>
+              <a:t>04-12-2017</a:t>
             </a:fld>
             <a:endParaRPr lang="en-IN"/>
           </a:p>
@@ -10158,7 +10162,7 @@
           <a:p>
             <a:fld id="{DC6FB0D1-CEE2-40AE-9EB4-80F6FA27BCF6}" type="datetimeFigureOut">
               <a:rPr lang="en-IN" smtClean="0"/>
-              <a:t>03-12-2017</a:t>
+              <a:t>04-12-2017</a:t>
             </a:fld>
             <a:endParaRPr lang="en-IN"/>
           </a:p>
@@ -10323,7 +10327,7 @@
           <a:p>
             <a:fld id="{5F9ADA15-E229-4312-A079-92E3956A26EB}" type="datetimeFigureOut">
               <a:rPr lang="en-IN" smtClean="0"/>
-              <a:t>03-12-2017</a:t>
+              <a:t>04-12-2017</a:t>
             </a:fld>
             <a:endParaRPr lang="en-IN"/>
           </a:p>
@@ -10436,7 +10440,7 @@
           <a:p>
             <a:fld id="{DC6FB0D1-CEE2-40AE-9EB4-80F6FA27BCF6}" type="datetimeFigureOut">
               <a:rPr lang="en-IN" smtClean="0"/>
-              <a:t>03-12-2017</a:t>
+              <a:t>04-12-2017</a:t>
             </a:fld>
             <a:endParaRPr lang="en-IN"/>
           </a:p>
@@ -10526,7 +10530,7 @@
           <a:p>
             <a:fld id="{DC6FB0D1-CEE2-40AE-9EB4-80F6FA27BCF6}" type="datetimeFigureOut">
               <a:rPr lang="en-IN" smtClean="0"/>
-              <a:t>03-12-2017</a:t>
+              <a:t>04-12-2017</a:t>
             </a:fld>
             <a:endParaRPr lang="en-IN"/>
           </a:p>
@@ -10798,7 +10802,7 @@
           <a:p>
             <a:fld id="{DC6FB0D1-CEE2-40AE-9EB4-80F6FA27BCF6}" type="datetimeFigureOut">
               <a:rPr lang="en-IN" smtClean="0"/>
-              <a:t>03-12-2017</a:t>
+              <a:t>04-12-2017</a:t>
             </a:fld>
             <a:endParaRPr lang="en-IN"/>
           </a:p>
@@ -11046,7 +11050,7 @@
           <a:p>
             <a:fld id="{DC6FB0D1-CEE2-40AE-9EB4-80F6FA27BCF6}" type="datetimeFigureOut">
               <a:rPr lang="en-IN" smtClean="0"/>
-              <a:t>03-12-2017</a:t>
+              <a:t>04-12-2017</a:t>
             </a:fld>
             <a:endParaRPr lang="en-IN"/>
           </a:p>
@@ -11211,7 +11215,7 @@
           <a:p>
             <a:fld id="{DC6FB0D1-CEE2-40AE-9EB4-80F6FA27BCF6}" type="datetimeFigureOut">
               <a:rPr lang="en-IN" smtClean="0"/>
-              <a:t>03-12-2017</a:t>
+              <a:t>04-12-2017</a:t>
             </a:fld>
             <a:endParaRPr lang="en-IN"/>
           </a:p>
@@ -11386,7 +11390,7 @@
           <a:p>
             <a:fld id="{DC6FB0D1-CEE2-40AE-9EB4-80F6FA27BCF6}" type="datetimeFigureOut">
               <a:rPr lang="en-IN" smtClean="0"/>
-              <a:t>03-12-2017</a:t>
+              <a:t>04-12-2017</a:t>
             </a:fld>
             <a:endParaRPr lang="en-IN"/>
           </a:p>
@@ -11627,7 +11631,7 @@
           <a:p>
             <a:fld id="{5F9ADA15-E229-4312-A079-92E3956A26EB}" type="datetimeFigureOut">
               <a:rPr lang="en-IN" smtClean="0"/>
-              <a:t>03-12-2017</a:t>
+              <a:t>04-12-2017</a:t>
             </a:fld>
             <a:endParaRPr lang="en-IN"/>
           </a:p>
@@ -11910,7 +11914,7 @@
           <a:p>
             <a:fld id="{5F9ADA15-E229-4312-A079-92E3956A26EB}" type="datetimeFigureOut">
               <a:rPr lang="en-IN" smtClean="0"/>
-              <a:t>03-12-2017</a:t>
+              <a:t>04-12-2017</a:t>
             </a:fld>
             <a:endParaRPr lang="en-IN"/>
           </a:p>
@@ -12332,7 +12336,7 @@
           <a:p>
             <a:fld id="{5F9ADA15-E229-4312-A079-92E3956A26EB}" type="datetimeFigureOut">
               <a:rPr lang="en-IN" smtClean="0"/>
-              <a:t>03-12-2017</a:t>
+              <a:t>04-12-2017</a:t>
             </a:fld>
             <a:endParaRPr lang="en-IN"/>
           </a:p>
@@ -12462,7 +12466,7 @@
           <a:p>
             <a:fld id="{5F9ADA15-E229-4312-A079-92E3956A26EB}" type="datetimeFigureOut">
               <a:rPr lang="en-IN" smtClean="0"/>
-              <a:t>03-12-2017</a:t>
+              <a:t>04-12-2017</a:t>
             </a:fld>
             <a:endParaRPr lang="en-IN"/>
           </a:p>
@@ -12759,7 +12763,7 @@
           <a:p>
             <a:fld id="{5F9ADA15-E229-4312-A079-92E3956A26EB}" type="datetimeFigureOut">
               <a:rPr lang="en-IN" smtClean="0"/>
-              <a:t>03-12-2017</a:t>
+              <a:t>04-12-2017</a:t>
             </a:fld>
             <a:endParaRPr lang="en-IN"/>
           </a:p>
@@ -12872,7 +12876,7 @@
           <a:p>
             <a:fld id="{5F9ADA15-E229-4312-A079-92E3956A26EB}" type="datetimeFigureOut">
               <a:rPr lang="en-IN" smtClean="0"/>
-              <a:t>03-12-2017</a:t>
+              <a:t>04-12-2017</a:t>
             </a:fld>
             <a:endParaRPr lang="en-IN"/>
           </a:p>
@@ -12985,7 +12989,7 @@
           <a:p>
             <a:fld id="{5F9ADA15-E229-4312-A079-92E3956A26EB}" type="datetimeFigureOut">
               <a:rPr lang="en-IN" smtClean="0"/>
-              <a:t>03-12-2017</a:t>
+              <a:t>04-12-2017</a:t>
             </a:fld>
             <a:endParaRPr lang="en-IN"/>
           </a:p>
@@ -13196,7 +13200,7 @@
           <a:p>
             <a:fld id="{5F9ADA15-E229-4312-A079-92E3956A26EB}" type="datetimeFigureOut">
               <a:rPr lang="en-IN" smtClean="0"/>
-              <a:t>03-12-2017</a:t>
+              <a:t>04-12-2017</a:t>
             </a:fld>
             <a:endParaRPr lang="en-IN"/>
           </a:p>
@@ -13707,7 +13711,7 @@
           <a:p>
             <a:fld id="{DC6FB0D1-CEE2-40AE-9EB4-80F6FA27BCF6}" type="datetimeFigureOut">
               <a:rPr lang="en-IN" smtClean="0"/>
-              <a:t>03-12-2017</a:t>
+              <a:t>04-12-2017</a:t>
             </a:fld>
             <a:endParaRPr lang="en-IN"/>
           </a:p>
@@ -15161,7 +15165,7 @@
                   <a:latin typeface="Times New Roman" panose="02020603050405020304" pitchFamily="18" charset="0"/>
                   <a:cs typeface="Times New Roman" panose="02020603050405020304" pitchFamily="18" charset="0"/>
                 </a:rPr>
-                <a:t>Conclusion and results</a:t>
+                <a:t>Experiment and Results</a:t>
               </a:r>
               <a:endParaRPr kumimoji="1" lang="zh-TW" altLang="en-US" sz="4800" b="1" dirty="0">
                 <a:solidFill>
@@ -16032,8 +16036,8 @@
         </p:nvSpPr>
         <p:spPr>
           <a:xfrm>
-            <a:off x="15119491" y="6275200"/>
-            <a:ext cx="14170703" cy="822960"/>
+            <a:off x="15015416" y="6300387"/>
+            <a:ext cx="14220732" cy="830997"/>
           </a:xfrm>
           <a:prstGeom prst="rect">
             <a:avLst/>
@@ -16181,7 +16185,7 @@
             <a:r>
               <a:rPr kumimoji="1" lang="en-US" altLang="zh-TW" sz="3600" b="1" dirty="0">
                 <a:solidFill>
-                  <a:schemeClr val="bg1"/>
+                  <a:schemeClr val="bg2"/>
                 </a:solidFill>
                 <a:latin typeface="Times New Roman" panose="02020603050405020304" pitchFamily="18" charset="0"/>
                 <a:cs typeface="Times New Roman" panose="02020603050405020304" pitchFamily="18" charset="0"/>
@@ -16191,7 +16195,7 @@
             <a:r>
               <a:rPr kumimoji="1" lang="zh-CN" altLang="en-US" sz="3600" b="1" dirty="0">
                 <a:solidFill>
-                  <a:schemeClr val="bg1"/>
+                  <a:schemeClr val="bg2"/>
                 </a:solidFill>
                 <a:latin typeface="Times New Roman" panose="02020603050405020304" pitchFamily="18" charset="0"/>
                 <a:cs typeface="Times New Roman" panose="02020603050405020304" pitchFamily="18" charset="0"/>
@@ -16201,7 +16205,7 @@
             <a:r>
               <a:rPr kumimoji="1" lang="en-US" altLang="zh-CN" sz="3600" b="1" dirty="0">
                 <a:solidFill>
-                  <a:schemeClr val="bg1"/>
+                  <a:schemeClr val="bg2"/>
                 </a:solidFill>
                 <a:latin typeface="Times New Roman" panose="02020603050405020304" pitchFamily="18" charset="0"/>
                 <a:cs typeface="Times New Roman" panose="02020603050405020304" pitchFamily="18" charset="0"/>
@@ -16210,7 +16214,7 @@
             </a:r>
             <a:endParaRPr kumimoji="1" lang="zh-TW" altLang="en-US" sz="3600" b="1" dirty="0">
               <a:solidFill>
-                <a:schemeClr val="bg1"/>
+                <a:schemeClr val="bg2"/>
               </a:solidFill>
               <a:latin typeface="Times New Roman" panose="02020603050405020304" pitchFamily="18" charset="0"/>
               <a:cs typeface="Times New Roman" panose="02020603050405020304" pitchFamily="18" charset="0"/>
@@ -16225,13 +16229,13 @@
           <p:nvPr>
             <p:extLst>
               <p:ext uri="{D42A27DB-BD31-4B8C-83A1-F6EECF244321}">
-                <p14:modId xmlns:p14="http://schemas.microsoft.com/office/powerpoint/2010/main" val="1564070292"/>
+                <p14:modId xmlns:p14="http://schemas.microsoft.com/office/powerpoint/2010/main" val="2552076480"/>
               </p:ext>
             </p:extLst>
           </p:nvPr>
         </p:nvGraphicFramePr>
         <p:xfrm>
-          <a:off x="29775150" y="7369929"/>
+          <a:off x="29877038" y="7375687"/>
           <a:ext cx="13268794" cy="2357358"/>
         </p:xfrm>
         <a:graphic>
@@ -16248,7 +16252,7 @@
         </p:nvSpPr>
         <p:spPr>
           <a:xfrm>
-            <a:off x="29759064" y="16367530"/>
+            <a:off x="29698794" y="16046735"/>
             <a:ext cx="12947366" cy="523220"/>
           </a:xfrm>
           <a:prstGeom prst="rect">
@@ -16287,7 +16291,7 @@
         <p:spPr>
           <a:xfrm>
             <a:off x="30464666" y="29179587"/>
-            <a:ext cx="11529819" cy="2308324"/>
+            <a:ext cx="11529819" cy="3046988"/>
           </a:xfrm>
           <a:prstGeom prst="rect">
             <a:avLst/>
@@ -16300,7 +16304,7 @@
           </a:bodyPr>
           <a:lstStyle/>
           <a:p>
-            <a:pPr lvl="0"/>
+            <a:pPr lvl="0" algn="just"/>
             <a:r>
               <a:rPr lang="en-US" sz="1600" dirty="0">
                 <a:solidFill>
@@ -16399,7 +16403,7 @@
             </a:r>
           </a:p>
           <a:p>
-            <a:pPr lvl="0"/>
+            <a:pPr lvl="0" algn="just"/>
             <a:r>
               <a:rPr lang="en-US" sz="1600" dirty="0">
                 <a:solidFill>
@@ -16554,7 +16558,7 @@
             </a:r>
           </a:p>
           <a:p>
-            <a:pPr lvl="0"/>
+            <a:pPr lvl="0" algn="just"/>
             <a:r>
               <a:rPr lang="en-US" sz="1600" dirty="0">
                 <a:solidFill>
@@ -16590,6 +16594,7 @@
             </a:r>
           </a:p>
           <a:p>
+            <a:pPr algn="just"/>
             <a:r>
               <a:rPr lang="en-US" sz="1600" dirty="0">
                 <a:solidFill>
@@ -16608,6 +16613,7 @@
             </a:r>
           </a:p>
           <a:p>
+            <a:pPr algn="just"/>
             <a:r>
               <a:rPr lang="en-US" sz="1600" dirty="0">
                 <a:solidFill>
@@ -16640,6 +16646,120 @@
               </a:rPr>
               <a:t>, Oriol, et al. "Show and tell: A neural image caption generator." Proceedings of the IEEE conference on computer vision and pattern recognition. 2015.</a:t>
             </a:r>
+          </a:p>
+          <a:p>
+            <a:pPr algn="just"/>
+            <a:r>
+              <a:rPr lang="en-US" sz="1600" dirty="0">
+                <a:solidFill>
+                  <a:schemeClr val="bg2"/>
+                </a:solidFill>
+              </a:rPr>
+              <a:t>[6] </a:t>
+            </a:r>
+            <a:r>
+              <a:rPr lang="en-US" sz="1600" dirty="0" err="1">
+                <a:solidFill>
+                  <a:schemeClr val="bg2"/>
+                </a:solidFill>
+              </a:rPr>
+              <a:t>Bahdanau</a:t>
+            </a:r>
+            <a:r>
+              <a:rPr lang="en-US" sz="1600" dirty="0">
+                <a:solidFill>
+                  <a:schemeClr val="bg2"/>
+                </a:solidFill>
+              </a:rPr>
+              <a:t>, </a:t>
+            </a:r>
+            <a:r>
+              <a:rPr lang="en-US" sz="1600" dirty="0" err="1">
+                <a:solidFill>
+                  <a:schemeClr val="bg2"/>
+                </a:solidFill>
+              </a:rPr>
+              <a:t>Dzmitry</a:t>
+            </a:r>
+            <a:r>
+              <a:rPr lang="en-US" sz="1600" dirty="0">
+                <a:solidFill>
+                  <a:schemeClr val="bg2"/>
+                </a:solidFill>
+              </a:rPr>
+              <a:t>, </a:t>
+            </a:r>
+            <a:r>
+              <a:rPr lang="en-US" sz="1600" dirty="0" err="1">
+                <a:solidFill>
+                  <a:schemeClr val="bg2"/>
+                </a:solidFill>
+              </a:rPr>
+              <a:t>Kyunghyun</a:t>
+            </a:r>
+            <a:r>
+              <a:rPr lang="en-US" sz="1600" dirty="0">
+                <a:solidFill>
+                  <a:schemeClr val="bg2"/>
+                </a:solidFill>
+              </a:rPr>
+              <a:t> Cho, and </a:t>
+            </a:r>
+            <a:r>
+              <a:rPr lang="en-US" sz="1600" dirty="0" err="1">
+                <a:solidFill>
+                  <a:schemeClr val="bg2"/>
+                </a:solidFill>
+              </a:rPr>
+              <a:t>Yoshua</a:t>
+            </a:r>
+            <a:r>
+              <a:rPr lang="en-US" sz="1600" dirty="0">
+                <a:solidFill>
+                  <a:schemeClr val="bg2"/>
+                </a:solidFill>
+              </a:rPr>
+              <a:t> </a:t>
+            </a:r>
+            <a:r>
+              <a:rPr lang="en-US" sz="1600" dirty="0" err="1">
+                <a:solidFill>
+                  <a:schemeClr val="bg2"/>
+                </a:solidFill>
+              </a:rPr>
+              <a:t>Bengio</a:t>
+            </a:r>
+            <a:r>
+              <a:rPr lang="en-US" sz="1600" dirty="0">
+                <a:solidFill>
+                  <a:schemeClr val="bg2"/>
+                </a:solidFill>
+              </a:rPr>
+              <a:t>. "Neural machine translation by jointly learning to align and translate." </a:t>
+            </a:r>
+            <a:r>
+              <a:rPr lang="en-US" sz="1600" dirty="0" err="1">
+                <a:solidFill>
+                  <a:schemeClr val="bg2"/>
+                </a:solidFill>
+              </a:rPr>
+              <a:t>arXiv</a:t>
+            </a:r>
+            <a:r>
+              <a:rPr lang="en-US" sz="1600" dirty="0">
+                <a:solidFill>
+                  <a:schemeClr val="bg2"/>
+                </a:solidFill>
+              </a:rPr>
+              <a:t> preprint arXiv:1409.0473 (2014).</a:t>
+            </a:r>
+          </a:p>
+          <a:p>
+            <a:endParaRPr lang="en-US" sz="1600" i="1" dirty="0">
+              <a:solidFill>
+                <a:schemeClr val="bg2"/>
+              </a:solidFill>
+            </a:endParaRPr>
           </a:p>
         </p:txBody>
       </p:sp>
@@ -16724,9 +16844,7 @@
             <a:r>
               <a:rPr lang="en-US" sz="2800" dirty="0">
                 <a:solidFill>
-                  <a:srgbClr val="738AC8">
-                    <a:lumMod val="50000"/>
-                  </a:srgbClr>
+                  <a:schemeClr val="bg1"/>
                 </a:solidFill>
                 <a:latin typeface="Times New Roman" panose="02020603050405020304" pitchFamily="18" charset="0"/>
                 <a:cs typeface="Times New Roman" panose="02020603050405020304" pitchFamily="18" charset="0"/>
@@ -16924,7 +17042,7 @@
             <a:r>
               <a:rPr kumimoji="1" lang="en-US" altLang="zh-TW" sz="3600" b="1" dirty="0">
                 <a:solidFill>
-                  <a:schemeClr val="bg1"/>
+                  <a:schemeClr val="bg2"/>
                 </a:solidFill>
                 <a:latin typeface="Times New Roman" panose="02020603050405020304" pitchFamily="18" charset="0"/>
                 <a:cs typeface="Times New Roman" panose="02020603050405020304" pitchFamily="18" charset="0"/>
@@ -16934,7 +17052,7 @@
             <a:r>
               <a:rPr kumimoji="1" lang="zh-CN" altLang="en-US" sz="3600" b="1" dirty="0">
                 <a:solidFill>
-                  <a:schemeClr val="bg1"/>
+                  <a:schemeClr val="bg2"/>
                 </a:solidFill>
                 <a:latin typeface="Times New Roman" panose="02020603050405020304" pitchFamily="18" charset="0"/>
                 <a:cs typeface="Times New Roman" panose="02020603050405020304" pitchFamily="18" charset="0"/>
@@ -16944,7 +17062,7 @@
             <a:r>
               <a:rPr kumimoji="1" lang="en-US" altLang="zh-CN" sz="3600" b="1" dirty="0">
                 <a:solidFill>
-                  <a:schemeClr val="bg1"/>
+                  <a:schemeClr val="bg2"/>
                 </a:solidFill>
                 <a:latin typeface="Times New Roman" panose="02020603050405020304" pitchFamily="18" charset="0"/>
                 <a:cs typeface="Times New Roman" panose="02020603050405020304" pitchFamily="18" charset="0"/>
@@ -16953,7 +17071,7 @@
             </a:r>
             <a:endParaRPr kumimoji="1" lang="zh-TW" altLang="en-US" sz="3600" b="1" dirty="0">
               <a:solidFill>
-                <a:schemeClr val="bg1"/>
+                <a:schemeClr val="bg2"/>
               </a:solidFill>
               <a:latin typeface="Times New Roman" panose="02020603050405020304" pitchFamily="18" charset="0"/>
               <a:cs typeface="Times New Roman" panose="02020603050405020304" pitchFamily="18" charset="0"/>
@@ -16997,9 +17115,7 @@
             <a:r>
               <a:rPr lang="en-US" sz="2800" dirty="0">
                 <a:solidFill>
-                  <a:srgbClr val="738AC8">
-                    <a:lumMod val="50000"/>
-                  </a:srgbClr>
+                  <a:schemeClr val="bg1"/>
                 </a:solidFill>
                 <a:latin typeface="Times New Roman" panose="02020603050405020304" pitchFamily="18" charset="0"/>
                 <a:cs typeface="Times New Roman" panose="02020603050405020304" pitchFamily="18" charset="0"/>
@@ -17022,13 +17138,13 @@
           <p:nvPr>
             <p:extLst>
               <p:ext uri="{D42A27DB-BD31-4B8C-83A1-F6EECF244321}">
-                <p14:modId xmlns:p14="http://schemas.microsoft.com/office/powerpoint/2010/main" val="1425696147"/>
+                <p14:modId xmlns:p14="http://schemas.microsoft.com/office/powerpoint/2010/main" val="1254637696"/>
               </p:ext>
             </p:extLst>
           </p:nvPr>
         </p:nvGraphicFramePr>
         <p:xfrm>
-          <a:off x="5992200" y="20357563"/>
+          <a:off x="6797978" y="20248968"/>
           <a:ext cx="8789664" cy="6819059"/>
         </p:xfrm>
         <a:graphic>
@@ -17051,8 +17167,8 @@
         </p:nvSpPr>
         <p:spPr>
           <a:xfrm>
-            <a:off x="659780" y="20357563"/>
-            <a:ext cx="6369547" cy="6819059"/>
+            <a:off x="753509" y="20153310"/>
+            <a:ext cx="6574467" cy="7227456"/>
           </a:xfrm>
           <a:prstGeom prst="rect">
             <a:avLst/>
@@ -17073,7 +17189,7 @@
           </a:fontRef>
         </p:style>
         <p:txBody>
-          <a:bodyPr rtlCol="0" anchor="ctr"/>
+          <a:bodyPr rIns="457200" rtlCol="0" anchor="ctr"/>
           <a:lstStyle/>
           <a:p>
             <a:r>
@@ -17164,7 +17280,7 @@
                 <a:latin typeface="Times New Roman" panose="02020603050405020304" pitchFamily="18" charset="0"/>
                 <a:cs typeface="Times New Roman" panose="02020603050405020304" pitchFamily="18" charset="0"/>
               </a:rPr>
-              <a:t>bhadanau</a:t>
+              <a:t>Bhadanau</a:t>
             </a:r>
             <a:r>
               <a:rPr lang="en-US" sz="2400" dirty="0">
@@ -17283,8 +17399,8 @@
         </p:nvSpPr>
         <p:spPr>
           <a:xfrm>
-            <a:off x="674938" y="27332408"/>
-            <a:ext cx="13787804" cy="1200329"/>
+            <a:off x="697036" y="27334629"/>
+            <a:ext cx="13787804" cy="1384995"/>
           </a:xfrm>
           <a:prstGeom prst="rect">
             <a:avLst/>
@@ -17297,12 +17413,11 @@
           </a:bodyPr>
           <a:lstStyle/>
           <a:p>
-            <a:r>
-              <a:rPr lang="en-US" sz="2400" dirty="0">
-                <a:solidFill>
-                  <a:srgbClr val="738AC8">
-                    <a:lumMod val="50000"/>
-                  </a:srgbClr>
+            <a:pPr algn="just"/>
+            <a:r>
+              <a:rPr lang="en-US" sz="2800" dirty="0">
+                <a:solidFill>
+                  <a:schemeClr val="bg1"/>
                 </a:solidFill>
                 <a:latin typeface="Times New Roman" panose="02020603050405020304" pitchFamily="18" charset="0"/>
                 <a:cs typeface="Times New Roman" panose="02020603050405020304" pitchFamily="18" charset="0"/>
@@ -17326,8 +17441,8 @@
         </p:nvSpPr>
         <p:spPr>
           <a:xfrm>
-            <a:off x="1547736" y="28549354"/>
-            <a:ext cx="11869629" cy="3776980"/>
+            <a:off x="1547736" y="28795398"/>
+            <a:ext cx="12163205" cy="3530936"/>
           </a:xfrm>
           <a:prstGeom prst="rect">
             <a:avLst/>
@@ -17384,8 +17499,8 @@
         </p:blipFill>
         <p:spPr>
           <a:xfrm>
-            <a:off x="1877402" y="28719624"/>
-            <a:ext cx="8070083" cy="3543883"/>
+            <a:off x="1851460" y="28916585"/>
+            <a:ext cx="7950953" cy="3366294"/>
           </a:xfrm>
           <a:prstGeom prst="rect">
             <a:avLst/>
@@ -17479,29 +17594,8 @@
                 <a:latin typeface="Times New Roman" panose="02020603050405020304" pitchFamily="18" charset="0"/>
                 <a:cs typeface="Times New Roman" panose="02020603050405020304" pitchFamily="18" charset="0"/>
               </a:rPr>
-              <a:t> sequence ‘Germany emerge victorious in 2-0 win against Argentina on Sunday’ and generates the word ‘beat’ as part of its abstractive summary by using attention on the word ‘</a:t>
-            </a:r>
-            <a:r>
-              <a:rPr lang="en-US" sz="1600">
-                <a:solidFill>
-                  <a:srgbClr val="738AC8">
-                    <a:lumMod val="50000"/>
-                  </a:srgbClr>
-                </a:solidFill>
-                <a:latin typeface="Times New Roman" panose="02020603050405020304" pitchFamily="18" charset="0"/>
-                <a:cs typeface="Times New Roman" panose="02020603050405020304" pitchFamily="18" charset="0"/>
-              </a:rPr>
-              <a:t>victorious’.[4]</a:t>
-            </a:r>
-            <a:endParaRPr lang="en-US" sz="1600" dirty="0">
-              <a:solidFill>
-                <a:srgbClr val="738AC8">
-                  <a:lumMod val="50000"/>
-                </a:srgbClr>
-              </a:solidFill>
-              <a:latin typeface="Times New Roman" panose="02020603050405020304" pitchFamily="18" charset="0"/>
-              <a:cs typeface="Times New Roman" panose="02020603050405020304" pitchFamily="18" charset="0"/>
-            </a:endParaRPr>
+              <a:t> sequence ‘Germany emerge victorious in 2-0 win against Argentina on Sunday’ and generates the word ‘beat’ as part of its abstractive summary by using attention on the word ‘victorious’.[4]</a:t>
+            </a:r>
           </a:p>
           <a:p>
             <a:endParaRPr lang="en-US" dirty="0">
@@ -17543,7 +17637,7 @@
             <a:r>
               <a:rPr kumimoji="1" lang="en-US" altLang="zh-TW" sz="3600" b="1" dirty="0">
                 <a:solidFill>
-                  <a:schemeClr val="bg1"/>
+                  <a:schemeClr val="bg2"/>
                 </a:solidFill>
                 <a:latin typeface="Times New Roman" panose="02020603050405020304" pitchFamily="18" charset="0"/>
                 <a:cs typeface="Times New Roman" panose="02020603050405020304" pitchFamily="18" charset="0"/>
@@ -17553,7 +17647,7 @@
             <a:r>
               <a:rPr kumimoji="1" lang="en-US" altLang="zh-CN" sz="3600" b="1" dirty="0">
                 <a:solidFill>
-                  <a:schemeClr val="bg1"/>
+                  <a:schemeClr val="bg2"/>
                 </a:solidFill>
                 <a:latin typeface="Times New Roman" panose="02020603050405020304" pitchFamily="18" charset="0"/>
                 <a:cs typeface="Times New Roman" panose="02020603050405020304" pitchFamily="18" charset="0"/>
@@ -17562,7 +17656,7 @@
             </a:r>
             <a:endParaRPr kumimoji="1" lang="zh-TW" altLang="en-US" sz="3600" b="1" dirty="0">
               <a:solidFill>
-                <a:schemeClr val="bg1"/>
+                <a:schemeClr val="bg2"/>
               </a:solidFill>
               <a:latin typeface="Times New Roman" panose="02020603050405020304" pitchFamily="18" charset="0"/>
               <a:cs typeface="Times New Roman" panose="02020603050405020304" pitchFamily="18" charset="0"/>
@@ -17598,16 +17692,14 @@
           </a:bodyPr>
           <a:lstStyle/>
           <a:p>
-            <a:pPr marL="457200" indent="-457200">
+            <a:pPr marL="457200" indent="-457200" algn="just">
               <a:buFont typeface="+mj-lt"/>
               <a:buAutoNum type="arabicPeriod"/>
             </a:pPr>
             <a:r>
               <a:rPr lang="en-US" sz="2400" dirty="0">
                 <a:solidFill>
-                  <a:srgbClr val="738AC8">
-                    <a:lumMod val="50000"/>
-                  </a:srgbClr>
+                  <a:schemeClr val="bg1"/>
                 </a:solidFill>
                 <a:latin typeface="Times New Roman" panose="02020603050405020304" pitchFamily="18" charset="0"/>
                 <a:cs typeface="Times New Roman" panose="02020603050405020304" pitchFamily="18" charset="0"/>
@@ -17616,16 +17708,14 @@
             </a:r>
           </a:p>
           <a:p>
-            <a:pPr marL="457200" indent="-457200">
+            <a:pPr marL="457200" indent="-457200" algn="just">
               <a:buFont typeface="+mj-lt"/>
               <a:buAutoNum type="arabicPeriod"/>
             </a:pPr>
             <a:r>
               <a:rPr lang="en-US" sz="2400" dirty="0">
                 <a:solidFill>
-                  <a:srgbClr val="738AC8">
-                    <a:lumMod val="50000"/>
-                  </a:srgbClr>
+                  <a:schemeClr val="bg1"/>
                 </a:solidFill>
                 <a:latin typeface="Times New Roman" panose="02020603050405020304" pitchFamily="18" charset="0"/>
                 <a:cs typeface="Times New Roman" panose="02020603050405020304" pitchFamily="18" charset="0"/>
@@ -17634,16 +17724,14 @@
             </a:r>
           </a:p>
           <a:p>
-            <a:pPr marL="457200" indent="-457200">
+            <a:pPr marL="457200" indent="-457200" algn="just">
               <a:buFont typeface="+mj-lt"/>
               <a:buAutoNum type="arabicPeriod"/>
             </a:pPr>
             <a:r>
               <a:rPr lang="en-US" sz="2400" dirty="0">
                 <a:solidFill>
-                  <a:srgbClr val="738AC8">
-                    <a:lumMod val="50000"/>
-                  </a:srgbClr>
+                  <a:schemeClr val="bg1"/>
                 </a:solidFill>
                 <a:latin typeface="Times New Roman" panose="02020603050405020304" pitchFamily="18" charset="0"/>
                 <a:cs typeface="Times New Roman" panose="02020603050405020304" pitchFamily="18" charset="0"/>
@@ -17653,45 +17741,77 @@
             <a:r>
               <a:rPr lang="en-US" sz="2400" dirty="0" err="1">
                 <a:solidFill>
-                  <a:srgbClr val="738AC8">
-                    <a:lumMod val="50000"/>
-                  </a:srgbClr>
+                  <a:schemeClr val="bg1"/>
                 </a:solidFill>
                 <a:latin typeface="Times New Roman" panose="02020603050405020304" pitchFamily="18" charset="0"/>
                 <a:cs typeface="Times New Roman" panose="02020603050405020304" pitchFamily="18" charset="0"/>
               </a:rPr>
-              <a:t>wi</a:t>
-            </a:r>
-            <a:r>
-              <a:rPr lang="en-US" sz="2400" dirty="0">
-                <a:solidFill>
-                  <a:srgbClr val="738AC8">
-                    <a:lumMod val="50000"/>
-                  </a:srgbClr>
+              <a:t>w</a:t>
+            </a:r>
+            <a:r>
+              <a:rPr lang="en-US" sz="2400" baseline="-25000" dirty="0" err="1">
+                <a:solidFill>
+                  <a:schemeClr val="bg1"/>
                 </a:solidFill>
                 <a:latin typeface="Times New Roman" panose="02020603050405020304" pitchFamily="18" charset="0"/>
                 <a:cs typeface="Times New Roman" panose="02020603050405020304" pitchFamily="18" charset="0"/>
               </a:rPr>
-              <a:t>, into a single bidirectional LSTM which acts as our encoder. Like all other feed forward networks, the encoder provides an output encoder hidden state hi. The attention distribution is as below where v, </a:t>
-            </a:r>
-            <a:r>
-              <a:rPr lang="en-US" sz="2400" dirty="0" err="1">
-                <a:solidFill>
-                  <a:srgbClr val="738AC8">
-                    <a:lumMod val="50000"/>
-                  </a:srgbClr>
+              <a:t>i</a:t>
+            </a:r>
+            <a:r>
+              <a:rPr lang="en-US" sz="2400" dirty="0">
+                <a:solidFill>
+                  <a:schemeClr val="bg1"/>
                 </a:solidFill>
                 <a:latin typeface="Times New Roman" panose="02020603050405020304" pitchFamily="18" charset="0"/>
                 <a:cs typeface="Times New Roman" panose="02020603050405020304" pitchFamily="18" charset="0"/>
               </a:rPr>
-              <a:t>Wh</a:t>
+              <a:t>, into a single bidirectional LSTM which acts as our encoder. Like all other feed forward networks, the encoder provides an output encoder hidden state h</a:t>
+            </a:r>
+            <a:r>
+              <a:rPr lang="en-US" sz="2400" baseline="-25000" dirty="0">
+                <a:solidFill>
+                  <a:schemeClr val="bg1"/>
+                </a:solidFill>
+                <a:latin typeface="Times New Roman" panose="02020603050405020304" pitchFamily="18" charset="0"/>
+                <a:cs typeface="Times New Roman" panose="02020603050405020304" pitchFamily="18" charset="0"/>
+              </a:rPr>
+              <a:t>i</a:t>
             </a:r>
             <a:r>
               <a:rPr lang="en-US" sz="2400" dirty="0">
                 <a:solidFill>
-                  <a:srgbClr val="738AC8">
-                    <a:lumMod val="50000"/>
-                  </a:srgbClr>
+                  <a:schemeClr val="bg1"/>
+                </a:solidFill>
+                <a:latin typeface="Times New Roman" panose="02020603050405020304" pitchFamily="18" charset="0"/>
+                <a:cs typeface="Times New Roman" panose="02020603050405020304" pitchFamily="18" charset="0"/>
+              </a:rPr>
+              <a:t>. The attention distribution is as below where v, </a:t>
+            </a:r>
+            <a:r>
+              <a:rPr lang="en-US" sz="2400" dirty="0" err="1">
+                <a:solidFill>
+                  <a:schemeClr val="bg1"/>
+                </a:solidFill>
+                <a:latin typeface="Times New Roman" panose="02020603050405020304" pitchFamily="18" charset="0"/>
+                <a:cs typeface="Times New Roman" panose="02020603050405020304" pitchFamily="18" charset="0"/>
+              </a:rPr>
+              <a:t>W</a:t>
+            </a:r>
+            <a:r>
+              <a:rPr lang="en-US" sz="2400" baseline="-25000" dirty="0" err="1">
+                <a:solidFill>
+                  <a:schemeClr val="bg1"/>
+                </a:solidFill>
+                <a:latin typeface="Times New Roman" panose="02020603050405020304" pitchFamily="18" charset="0"/>
+                <a:cs typeface="Times New Roman" panose="02020603050405020304" pitchFamily="18" charset="0"/>
+              </a:rPr>
+              <a:t>h</a:t>
+            </a:r>
+            <a:r>
+              <a:rPr lang="en-US" sz="2400" dirty="0">
+                <a:solidFill>
+                  <a:schemeClr val="bg1"/>
                 </a:solidFill>
                 <a:latin typeface="Times New Roman" panose="02020603050405020304" pitchFamily="18" charset="0"/>
                 <a:cs typeface="Times New Roman" panose="02020603050405020304" pitchFamily="18" charset="0"/>
@@ -17701,21 +17821,27 @@
             <a:r>
               <a:rPr lang="en-US" sz="2400" dirty="0" err="1">
                 <a:solidFill>
-                  <a:srgbClr val="738AC8">
-                    <a:lumMod val="50000"/>
-                  </a:srgbClr>
+                  <a:schemeClr val="bg1"/>
                 </a:solidFill>
                 <a:latin typeface="Times New Roman" panose="02020603050405020304" pitchFamily="18" charset="0"/>
                 <a:cs typeface="Times New Roman" panose="02020603050405020304" pitchFamily="18" charset="0"/>
               </a:rPr>
-              <a:t>Ws</a:t>
+              <a:t>W</a:t>
+            </a:r>
+            <a:r>
+              <a:rPr lang="en-US" sz="2400" baseline="-25000" dirty="0" err="1">
+                <a:solidFill>
+                  <a:schemeClr val="bg1"/>
+                </a:solidFill>
+                <a:latin typeface="Times New Roman" panose="02020603050405020304" pitchFamily="18" charset="0"/>
+                <a:cs typeface="Times New Roman" panose="02020603050405020304" pitchFamily="18" charset="0"/>
+              </a:rPr>
+              <a:t>s</a:t>
             </a:r>
             <a:r>
               <a:rPr lang="en-US" sz="2400" dirty="0">
                 <a:solidFill>
-                  <a:srgbClr val="738AC8">
-                    <a:lumMod val="50000"/>
-                  </a:srgbClr>
+                  <a:schemeClr val="bg1"/>
                 </a:solidFill>
                 <a:latin typeface="Times New Roman" panose="02020603050405020304" pitchFamily="18" charset="0"/>
                 <a:cs typeface="Times New Roman" panose="02020603050405020304" pitchFamily="18" charset="0"/>
@@ -17725,26 +17851,140 @@
             <a:r>
               <a:rPr lang="en-US" sz="2400" dirty="0" err="1">
                 <a:solidFill>
-                  <a:srgbClr val="738AC8">
-                    <a:lumMod val="50000"/>
-                  </a:srgbClr>
+                  <a:schemeClr val="bg1"/>
                 </a:solidFill>
                 <a:latin typeface="Times New Roman" panose="02020603050405020304" pitchFamily="18" charset="0"/>
                 <a:cs typeface="Times New Roman" panose="02020603050405020304" pitchFamily="18" charset="0"/>
               </a:rPr>
-              <a:t>battn</a:t>
+              <a:t>b</a:t>
+            </a:r>
+            <a:r>
+              <a:rPr lang="en-US" sz="2400" baseline="-25000" dirty="0" err="1">
+                <a:solidFill>
+                  <a:schemeClr val="bg1"/>
+                </a:solidFill>
+                <a:latin typeface="Times New Roman" panose="02020603050405020304" pitchFamily="18" charset="0"/>
+                <a:cs typeface="Times New Roman" panose="02020603050405020304" pitchFamily="18" charset="0"/>
+              </a:rPr>
+              <a:t>attn</a:t>
             </a:r>
             <a:r>
               <a:rPr lang="en-US" sz="2400" dirty="0">
                 <a:solidFill>
-                  <a:srgbClr val="738AC8">
-                    <a:lumMod val="50000"/>
-                  </a:srgbClr>
+                  <a:schemeClr val="bg1"/>
                 </a:solidFill>
                 <a:latin typeface="Times New Roman" panose="02020603050405020304" pitchFamily="18" charset="0"/>
                 <a:cs typeface="Times New Roman" panose="02020603050405020304" pitchFamily="18" charset="0"/>
               </a:rPr>
               <a:t> are learnable parameters.</a:t>
+            </a:r>
+          </a:p>
+          <a:p>
+            <a:pPr marL="457200" indent="-457200" algn="just">
+              <a:buFont typeface="+mj-lt"/>
+              <a:buAutoNum type="arabicPeriod"/>
+            </a:pPr>
+            <a:endParaRPr lang="en-US" sz="2400" dirty="0">
+              <a:solidFill>
+                <a:schemeClr val="bg1"/>
+              </a:solidFill>
+              <a:latin typeface="Times New Roman" panose="02020603050405020304" pitchFamily="18" charset="0"/>
+              <a:cs typeface="Times New Roman" panose="02020603050405020304" pitchFamily="18" charset="0"/>
+            </a:endParaRPr>
+          </a:p>
+          <a:p>
+            <a:pPr marL="457200" indent="-457200" algn="just">
+              <a:buFont typeface="+mj-lt"/>
+              <a:buAutoNum type="arabicPeriod"/>
+            </a:pPr>
+            <a:endParaRPr lang="en-US" sz="2400" dirty="0">
+              <a:solidFill>
+                <a:schemeClr val="bg1"/>
+              </a:solidFill>
+              <a:latin typeface="Times New Roman" panose="02020603050405020304" pitchFamily="18" charset="0"/>
+              <a:cs typeface="Times New Roman" panose="02020603050405020304" pitchFamily="18" charset="0"/>
+            </a:endParaRPr>
+          </a:p>
+          <a:p>
+            <a:pPr marL="457200" indent="-457200" algn="just">
+              <a:buFont typeface="+mj-lt"/>
+              <a:buAutoNum type="arabicPeriod"/>
+            </a:pPr>
+            <a:endParaRPr lang="en-US" sz="2400" dirty="0">
+              <a:solidFill>
+                <a:schemeClr val="bg1"/>
+              </a:solidFill>
+              <a:latin typeface="Times New Roman" panose="02020603050405020304" pitchFamily="18" charset="0"/>
+              <a:cs typeface="Times New Roman" panose="02020603050405020304" pitchFamily="18" charset="0"/>
+            </a:endParaRPr>
+          </a:p>
+          <a:p>
+            <a:pPr marL="457200" indent="-457200" algn="just">
+              <a:buFont typeface="+mj-lt"/>
+              <a:buAutoNum type="arabicPeriod"/>
+            </a:pPr>
+            <a:r>
+              <a:rPr lang="en-US" sz="2400" dirty="0">
+                <a:solidFill>
+                  <a:schemeClr val="bg1"/>
+                </a:solidFill>
+                <a:latin typeface="Times New Roman" panose="02020603050405020304" pitchFamily="18" charset="0"/>
+                <a:cs typeface="Times New Roman" panose="02020603050405020304" pitchFamily="18" charset="0"/>
+              </a:rPr>
+              <a:t>The attention vector is given as </a:t>
+            </a:r>
+          </a:p>
+          <a:p>
+            <a:pPr algn="just"/>
+            <a:endParaRPr lang="en-US" sz="2400" dirty="0">
+              <a:solidFill>
+                <a:schemeClr val="bg1"/>
+              </a:solidFill>
+              <a:latin typeface="Times New Roman" panose="02020603050405020304" pitchFamily="18" charset="0"/>
+              <a:cs typeface="Times New Roman" panose="02020603050405020304" pitchFamily="18" charset="0"/>
+            </a:endParaRPr>
+          </a:p>
+          <a:p>
+            <a:pPr algn="just"/>
+            <a:endParaRPr lang="en-US" sz="2400" dirty="0">
+              <a:solidFill>
+                <a:schemeClr val="bg1"/>
+              </a:solidFill>
+              <a:latin typeface="Times New Roman" panose="02020603050405020304" pitchFamily="18" charset="0"/>
+              <a:cs typeface="Times New Roman" panose="02020603050405020304" pitchFamily="18" charset="0"/>
+            </a:endParaRPr>
+          </a:p>
+          <a:p>
+            <a:pPr algn="just"/>
+            <a:r>
+              <a:rPr lang="en-US" sz="2400" dirty="0">
+                <a:solidFill>
+                  <a:schemeClr val="bg1"/>
+                </a:solidFill>
+                <a:latin typeface="Times New Roman" panose="02020603050405020304" pitchFamily="18" charset="0"/>
+                <a:cs typeface="Times New Roman" panose="02020603050405020304" pitchFamily="18" charset="0"/>
+              </a:rPr>
+              <a:t>5.    We have modified the concatenated pairs in the </a:t>
+            </a:r>
+            <a:r>
+              <a:rPr lang="en-US" sz="2400" dirty="0" err="1">
+                <a:solidFill>
+                  <a:schemeClr val="bg1"/>
+                </a:solidFill>
+                <a:latin typeface="Times New Roman" panose="02020603050405020304" pitchFamily="18" charset="0"/>
+                <a:cs typeface="Times New Roman" panose="02020603050405020304" pitchFamily="18" charset="0"/>
+              </a:rPr>
+              <a:t>Bahdanau</a:t>
+            </a:r>
+            <a:r>
+              <a:rPr lang="en-US" sz="2400" dirty="0">
+                <a:solidFill>
+                  <a:schemeClr val="bg1"/>
+                </a:solidFill>
+                <a:latin typeface="Times New Roman" panose="02020603050405020304" pitchFamily="18" charset="0"/>
+                <a:cs typeface="Times New Roman" panose="02020603050405020304" pitchFamily="18" charset="0"/>
+              </a:rPr>
+              <a:t> et al[6] to:</a:t>
             </a:r>
           </a:p>
           <a:p>
@@ -17754,132 +17994,7 @@
             </a:pPr>
             <a:endParaRPr lang="en-US" sz="2400" dirty="0">
               <a:solidFill>
-                <a:srgbClr val="738AC8">
-                  <a:lumMod val="50000"/>
-                </a:srgbClr>
-              </a:solidFill>
-              <a:latin typeface="Times New Roman" panose="02020603050405020304" pitchFamily="18" charset="0"/>
-              <a:cs typeface="Times New Roman" panose="02020603050405020304" pitchFamily="18" charset="0"/>
-            </a:endParaRPr>
-          </a:p>
-          <a:p>
-            <a:pPr marL="457200" indent="-457200">
-              <a:buFont typeface="+mj-lt"/>
-              <a:buAutoNum type="arabicPeriod"/>
-            </a:pPr>
-            <a:endParaRPr lang="en-US" sz="2400" dirty="0">
-              <a:solidFill>
-                <a:srgbClr val="738AC8">
-                  <a:lumMod val="50000"/>
-                </a:srgbClr>
-              </a:solidFill>
-              <a:latin typeface="Times New Roman" panose="02020603050405020304" pitchFamily="18" charset="0"/>
-              <a:cs typeface="Times New Roman" panose="02020603050405020304" pitchFamily="18" charset="0"/>
-            </a:endParaRPr>
-          </a:p>
-          <a:p>
-            <a:pPr marL="457200" indent="-457200">
-              <a:buFont typeface="+mj-lt"/>
-              <a:buAutoNum type="arabicPeriod"/>
-            </a:pPr>
-            <a:endParaRPr lang="en-US" sz="2400" dirty="0">
-              <a:solidFill>
-                <a:srgbClr val="738AC8">
-                  <a:lumMod val="50000"/>
-                </a:srgbClr>
-              </a:solidFill>
-              <a:latin typeface="Times New Roman" panose="02020603050405020304" pitchFamily="18" charset="0"/>
-              <a:cs typeface="Times New Roman" panose="02020603050405020304" pitchFamily="18" charset="0"/>
-            </a:endParaRPr>
-          </a:p>
-          <a:p>
-            <a:pPr marL="457200" indent="-457200">
-              <a:buFont typeface="+mj-lt"/>
-              <a:buAutoNum type="arabicPeriod"/>
-            </a:pPr>
-            <a:r>
-              <a:rPr lang="en-US" sz="2400" dirty="0">
-                <a:solidFill>
-                  <a:srgbClr val="738AC8">
-                    <a:lumMod val="50000"/>
-                  </a:srgbClr>
-                </a:solidFill>
-                <a:latin typeface="Times New Roman" panose="02020603050405020304" pitchFamily="18" charset="0"/>
-                <a:cs typeface="Times New Roman" panose="02020603050405020304" pitchFamily="18" charset="0"/>
-              </a:rPr>
-              <a:t>The attention vector is given as </a:t>
-            </a:r>
-          </a:p>
-          <a:p>
-            <a:endParaRPr lang="en-US" sz="2400" dirty="0">
-              <a:solidFill>
-                <a:srgbClr val="738AC8">
-                  <a:lumMod val="50000"/>
-                </a:srgbClr>
-              </a:solidFill>
-              <a:latin typeface="Times New Roman" panose="02020603050405020304" pitchFamily="18" charset="0"/>
-              <a:cs typeface="Times New Roman" panose="02020603050405020304" pitchFamily="18" charset="0"/>
-            </a:endParaRPr>
-          </a:p>
-          <a:p>
-            <a:endParaRPr lang="en-US" sz="2400" dirty="0">
-              <a:solidFill>
-                <a:srgbClr val="738AC8">
-                  <a:lumMod val="50000"/>
-                </a:srgbClr>
-              </a:solidFill>
-              <a:latin typeface="Times New Roman" panose="02020603050405020304" pitchFamily="18" charset="0"/>
-              <a:cs typeface="Times New Roman" panose="02020603050405020304" pitchFamily="18" charset="0"/>
-            </a:endParaRPr>
-          </a:p>
-          <a:p>
-            <a:r>
-              <a:rPr lang="en-US" sz="2400" dirty="0">
-                <a:solidFill>
-                  <a:srgbClr val="738AC8">
-                    <a:lumMod val="50000"/>
-                  </a:srgbClr>
-                </a:solidFill>
-                <a:latin typeface="Times New Roman" panose="02020603050405020304" pitchFamily="18" charset="0"/>
-                <a:cs typeface="Times New Roman" panose="02020603050405020304" pitchFamily="18" charset="0"/>
-              </a:rPr>
-              <a:t>5.    We have modified the concatenated pairs in the </a:t>
-            </a:r>
-            <a:r>
-              <a:rPr lang="en-US" sz="2400" dirty="0" err="1">
-                <a:solidFill>
-                  <a:srgbClr val="738AC8">
-                    <a:lumMod val="50000"/>
-                  </a:srgbClr>
-                </a:solidFill>
-                <a:latin typeface="Times New Roman" panose="02020603050405020304" pitchFamily="18" charset="0"/>
-                <a:cs typeface="Times New Roman" panose="02020603050405020304" pitchFamily="18" charset="0"/>
-              </a:rPr>
-              <a:t>Bahdanau</a:t>
-            </a:r>
-            <a:r>
-              <a:rPr lang="en-US" sz="2400" dirty="0">
-                <a:solidFill>
-                  <a:srgbClr val="738AC8">
-                    <a:lumMod val="50000"/>
-                  </a:srgbClr>
-                </a:solidFill>
-                <a:latin typeface="Times New Roman" panose="02020603050405020304" pitchFamily="18" charset="0"/>
-                <a:cs typeface="Times New Roman" panose="02020603050405020304" pitchFamily="18" charset="0"/>
-              </a:rPr>
-              <a:t> et al to:</a:t>
-            </a:r>
-          </a:p>
-          <a:p>
-            <a:pPr marL="457200" indent="-457200">
-              <a:buFont typeface="+mj-lt"/>
-              <a:buAutoNum type="arabicPeriod"/>
-            </a:pPr>
-            <a:endParaRPr lang="en-US" sz="2400" dirty="0">
-              <a:solidFill>
-                <a:srgbClr val="738AC8">
-                  <a:lumMod val="50000"/>
-                </a:srgbClr>
+                <a:schemeClr val="bg1"/>
               </a:solidFill>
               <a:latin typeface="Times New Roman" panose="02020603050405020304" pitchFamily="18" charset="0"/>
               <a:cs typeface="Times New Roman" panose="02020603050405020304" pitchFamily="18" charset="0"/>
@@ -17918,8 +18033,8 @@
         </p:blipFill>
         <p:spPr>
           <a:xfrm>
-            <a:off x="17997213" y="10670434"/>
-            <a:ext cx="7170911" cy="1019989"/>
+            <a:off x="17997214" y="10670434"/>
+            <a:ext cx="6861676" cy="758047"/>
           </a:xfrm>
           <a:prstGeom prst="rect">
             <a:avLst/>
@@ -17946,8 +18061,8 @@
         </p:blipFill>
         <p:spPr>
           <a:xfrm>
-            <a:off x="17997212" y="12071751"/>
-            <a:ext cx="7170911" cy="590237"/>
+            <a:off x="17997213" y="12071752"/>
+            <a:ext cx="6861676" cy="467034"/>
           </a:xfrm>
           <a:prstGeom prst="rect">
             <a:avLst/>
@@ -17974,8 +18089,8 @@
         </p:blipFill>
         <p:spPr>
           <a:xfrm>
-            <a:off x="17991780" y="13212355"/>
-            <a:ext cx="7110288" cy="580951"/>
+            <a:off x="17991780" y="13212356"/>
+            <a:ext cx="6861676" cy="394680"/>
           </a:xfrm>
           <a:prstGeom prst="rect">
             <a:avLst/>
@@ -18107,7 +18222,7 @@
                   <a:schemeClr val="bg1"/>
                 </a:solidFill>
               </a:rPr>
-              <a:t>In this pointer generator network model, each decoder time-step the words are generated using the probability generator function which calculates using the below equations .[4]</a:t>
+              <a:t>In this figure of pointer generator network model, each decoder time-step the words are generated using the probability generator function which calculates using the below equations .[4]</a:t>
             </a:r>
             <a:endParaRPr lang="en-US" dirty="0">
               <a:solidFill>
@@ -18155,14 +18270,12 @@
             <a:r>
               <a:rPr lang="en-US" sz="2400" dirty="0">
                 <a:solidFill>
-                  <a:srgbClr val="738AC8">
-                    <a:lumMod val="50000"/>
-                  </a:srgbClr>
+                  <a:schemeClr val="bg1"/>
                 </a:solidFill>
                 <a:latin typeface="Times New Roman" panose="02020603050405020304" pitchFamily="18" charset="0"/>
                 <a:cs typeface="Times New Roman" panose="02020603050405020304" pitchFamily="18" charset="0"/>
               </a:rPr>
-              <a:t>we use a pointer generator unit which is well known for its hybrid functionality between extractive and abstractive summarization capabilities. </a:t>
+              <a:t>We use a pointer generator unit which is well known for its hybrid functionality between extractive and abstractive summarization capabilities. </a:t>
             </a:r>
           </a:p>
           <a:p>
@@ -18173,9 +18286,7 @@
             <a:r>
               <a:rPr lang="en-US" sz="2400" dirty="0">
                 <a:solidFill>
-                  <a:srgbClr val="738AC8">
-                    <a:lumMod val="50000"/>
-                  </a:srgbClr>
+                  <a:schemeClr val="bg1"/>
                 </a:solidFill>
                 <a:latin typeface="Times New Roman" panose="02020603050405020304" pitchFamily="18" charset="0"/>
                 <a:cs typeface="Times New Roman" panose="02020603050405020304" pitchFamily="18" charset="0"/>
@@ -18185,21 +18296,27 @@
             <a:r>
               <a:rPr lang="en-US" sz="2400" dirty="0" err="1">
                 <a:solidFill>
-                  <a:srgbClr val="738AC8">
-                    <a:lumMod val="50000"/>
-                  </a:srgbClr>
+                  <a:schemeClr val="bg1"/>
                 </a:solidFill>
                 <a:latin typeface="Times New Roman" panose="02020603050405020304" pitchFamily="18" charset="0"/>
                 <a:cs typeface="Times New Roman" panose="02020603050405020304" pitchFamily="18" charset="0"/>
               </a:rPr>
-              <a:t>pgen</a:t>
+              <a:t>p</a:t>
+            </a:r>
+            <a:r>
+              <a:rPr lang="en-US" sz="2400" baseline="-25000" dirty="0" err="1">
+                <a:solidFill>
+                  <a:schemeClr val="bg1"/>
+                </a:solidFill>
+                <a:latin typeface="Times New Roman" panose="02020603050405020304" pitchFamily="18" charset="0"/>
+                <a:cs typeface="Times New Roman" panose="02020603050405020304" pitchFamily="18" charset="0"/>
+              </a:rPr>
+              <a:t>gen</a:t>
             </a:r>
             <a:r>
               <a:rPr lang="en-US" sz="2400" dirty="0">
                 <a:solidFill>
-                  <a:srgbClr val="738AC8">
-                    <a:lumMod val="50000"/>
-                  </a:srgbClr>
+                  <a:schemeClr val="bg1"/>
                 </a:solidFill>
                 <a:latin typeface="Times New Roman" panose="02020603050405020304" pitchFamily="18" charset="0"/>
                 <a:cs typeface="Times New Roman" panose="02020603050405020304" pitchFamily="18" charset="0"/>
@@ -18251,7 +18368,7 @@
             <a:r>
               <a:rPr kumimoji="1" lang="en-US" altLang="zh-TW" sz="3600" b="1" dirty="0">
                 <a:solidFill>
-                  <a:schemeClr val="bg1"/>
+                  <a:schemeClr val="bg2"/>
                 </a:solidFill>
                 <a:latin typeface="Times New Roman" panose="02020603050405020304" pitchFamily="18" charset="0"/>
                 <a:cs typeface="Times New Roman" panose="02020603050405020304" pitchFamily="18" charset="0"/>
@@ -18261,7 +18378,7 @@
             <a:r>
               <a:rPr kumimoji="1" lang="en-US" altLang="zh-CN" sz="3600" b="1" dirty="0">
                 <a:solidFill>
-                  <a:schemeClr val="bg1"/>
+                  <a:schemeClr val="bg2"/>
                 </a:solidFill>
                 <a:latin typeface="Times New Roman" panose="02020603050405020304" pitchFamily="18" charset="0"/>
                 <a:cs typeface="Times New Roman" panose="02020603050405020304" pitchFamily="18" charset="0"/>
@@ -18270,7 +18387,7 @@
             </a:r>
             <a:endParaRPr kumimoji="1" lang="zh-TW" altLang="en-US" sz="3600" b="1" dirty="0">
               <a:solidFill>
-                <a:schemeClr val="bg1"/>
+                <a:schemeClr val="bg2"/>
               </a:solidFill>
               <a:latin typeface="Times New Roman" panose="02020603050405020304" pitchFamily="18" charset="0"/>
               <a:cs typeface="Times New Roman" panose="02020603050405020304" pitchFamily="18" charset="0"/>
@@ -18298,8 +18415,8 @@
         </p:blipFill>
         <p:spPr>
           <a:xfrm>
-            <a:off x="17135928" y="23675291"/>
-            <a:ext cx="9831115" cy="519954"/>
+            <a:off x="17135929" y="23675291"/>
+            <a:ext cx="7041919" cy="416556"/>
           </a:xfrm>
           <a:prstGeom prst="rect">
             <a:avLst/>
@@ -18337,7 +18454,7 @@
             <a:r>
               <a:rPr kumimoji="1" lang="en-US" altLang="zh-CN" sz="3600" b="1" dirty="0">
                 <a:solidFill>
-                  <a:schemeClr val="bg1"/>
+                  <a:schemeClr val="bg2"/>
                 </a:solidFill>
                 <a:latin typeface="Times New Roman" panose="02020603050405020304" pitchFamily="18" charset="0"/>
                 <a:cs typeface="Times New Roman" panose="02020603050405020304" pitchFamily="18" charset="0"/>
@@ -18346,7 +18463,7 @@
             </a:r>
             <a:endParaRPr kumimoji="1" lang="zh-TW" altLang="en-US" sz="3600" b="1" dirty="0">
               <a:solidFill>
-                <a:schemeClr val="bg1"/>
+                <a:schemeClr val="bg2"/>
               </a:solidFill>
               <a:latin typeface="Times New Roman" panose="02020603050405020304" pitchFamily="18" charset="0"/>
               <a:cs typeface="Times New Roman" panose="02020603050405020304" pitchFamily="18" charset="0"/>
@@ -18382,16 +18499,14 @@
           </a:bodyPr>
           <a:lstStyle/>
           <a:p>
-            <a:pPr marL="457200" indent="-457200">
+            <a:pPr marL="457200" indent="-457200" algn="just">
               <a:buFont typeface="+mj-lt"/>
               <a:buAutoNum type="arabicPeriod"/>
             </a:pPr>
             <a:r>
               <a:rPr lang="en-US" sz="2400" dirty="0">
                 <a:solidFill>
-                  <a:srgbClr val="738AC8">
-                    <a:lumMod val="50000"/>
-                  </a:srgbClr>
+                  <a:schemeClr val="bg1"/>
                 </a:solidFill>
                 <a:latin typeface="Times New Roman" panose="02020603050405020304" pitchFamily="18" charset="0"/>
                 <a:cs typeface="Times New Roman" panose="02020603050405020304" pitchFamily="18" charset="0"/>
@@ -18400,16 +18515,14 @@
             </a:r>
           </a:p>
           <a:p>
-            <a:pPr marL="457200" indent="-457200">
+            <a:pPr marL="457200" indent="-457200" algn="just">
               <a:buFont typeface="+mj-lt"/>
               <a:buAutoNum type="arabicPeriod"/>
             </a:pPr>
             <a:r>
               <a:rPr lang="en-US" sz="2400" dirty="0">
                 <a:solidFill>
-                  <a:srgbClr val="738AC8">
-                    <a:lumMod val="50000"/>
-                  </a:srgbClr>
+                  <a:schemeClr val="bg1"/>
                 </a:solidFill>
                 <a:latin typeface="Times New Roman" panose="02020603050405020304" pitchFamily="18" charset="0"/>
                 <a:cs typeface="Times New Roman" panose="02020603050405020304" pitchFamily="18" charset="0"/>
@@ -18418,16 +18531,14 @@
             </a:r>
           </a:p>
           <a:p>
-            <a:pPr marL="457200" indent="-457200">
+            <a:pPr marL="457200" indent="-457200" algn="just">
               <a:buFont typeface="+mj-lt"/>
               <a:buAutoNum type="arabicPeriod"/>
             </a:pPr>
             <a:r>
               <a:rPr lang="en-US" sz="2400" dirty="0">
                 <a:solidFill>
-                  <a:srgbClr val="738AC8">
-                    <a:lumMod val="50000"/>
-                  </a:srgbClr>
+                  <a:schemeClr val="bg1"/>
                 </a:solidFill>
                 <a:latin typeface="Times New Roman" panose="02020603050405020304" pitchFamily="18" charset="0"/>
                 <a:cs typeface="Times New Roman" panose="02020603050405020304" pitchFamily="18" charset="0"/>
@@ -18468,7 +18579,7 @@
         <p:spPr>
           <a:xfrm>
             <a:off x="16769517" y="27763182"/>
-            <a:ext cx="9026086" cy="616782"/>
+            <a:ext cx="6760259" cy="423640"/>
           </a:xfrm>
           <a:prstGeom prst="rect">
             <a:avLst/>
@@ -18495,8 +18606,8 @@
         </p:blipFill>
         <p:spPr>
           <a:xfrm>
-            <a:off x="15095881" y="29376903"/>
-            <a:ext cx="5726613" cy="1990265"/>
+            <a:off x="32848909" y="25627626"/>
+            <a:ext cx="7121275" cy="2301819"/>
           </a:xfrm>
           <a:prstGeom prst="rect">
             <a:avLst/>
@@ -18661,8 +18772,8 @@
         </p:blipFill>
         <p:spPr>
           <a:xfrm>
-            <a:off x="20908845" y="29323103"/>
-            <a:ext cx="3988662" cy="2500012"/>
+            <a:off x="19884309" y="29376903"/>
+            <a:ext cx="4974581" cy="2940404"/>
           </a:xfrm>
           <a:prstGeom prst="rect">
             <a:avLst/>
@@ -18689,8 +18800,8 @@
         </p:blipFill>
         <p:spPr>
           <a:xfrm>
-            <a:off x="25168123" y="29376903"/>
-            <a:ext cx="3546229" cy="2446212"/>
+            <a:off x="24664778" y="29376902"/>
+            <a:ext cx="4571370" cy="2813333"/>
           </a:xfrm>
           <a:prstGeom prst="rect">
             <a:avLst/>
@@ -18720,7 +18831,7 @@
         <p:spPr>
           <a:xfrm>
             <a:off x="29874856" y="10636798"/>
-            <a:ext cx="13358874" cy="5657876"/>
+            <a:ext cx="13358874" cy="5395788"/>
           </a:xfrm>
           <a:prstGeom prst="rect">
             <a:avLst/>
@@ -18898,7 +19009,7 @@
         </p:blipFill>
         <p:spPr>
           <a:xfrm>
-            <a:off x="30170319" y="22951138"/>
+            <a:off x="29722699" y="22923045"/>
             <a:ext cx="3199765" cy="4852670"/>
           </a:xfrm>
           <a:prstGeom prst="rect">
@@ -18908,241 +19019,428 @@
       </p:pic>
       <p:sp>
         <p:nvSpPr>
-          <p:cNvPr id="37" name="TextBox 36">
+          <p:cNvPr id="6" name="Rectangle 5">
             <a:extLst>
               <a:ext uri="{FF2B5EF4-FFF2-40B4-BE49-F238E27FC236}">
-                <a16:creationId xmlns:a16="http://schemas.microsoft.com/office/drawing/2014/main" id="{9E99CC7C-4C87-40AD-BFE0-DBCFBC041B02}"/>
+                <a16:creationId xmlns:a16="http://schemas.microsoft.com/office/drawing/2014/main" id="{FF322796-8F30-43DD-BAE2-C8527B1CEB32}"/>
               </a:ext>
             </a:extLst>
           </p:cNvPr>
-          <p:cNvSpPr txBox="1"/>
+          <p:cNvSpPr/>
           <p:nvPr/>
         </p:nvSpPr>
         <p:spPr>
           <a:xfrm>
-            <a:off x="34249776" y="23003131"/>
-            <a:ext cx="6993968" cy="5090624"/>
+            <a:off x="15282396" y="29479276"/>
+            <a:ext cx="4441918" cy="2803602"/>
+          </a:xfrm>
+          <a:prstGeom prst="rect">
+            <a:avLst/>
+          </a:prstGeom>
+        </p:spPr>
+        <p:style>
+          <a:lnRef idx="1">
+            <a:schemeClr val="accent3"/>
+          </a:lnRef>
+          <a:fillRef idx="2">
+            <a:schemeClr val="accent3"/>
+          </a:fillRef>
+          <a:effectRef idx="1">
+            <a:schemeClr val="accent3"/>
+          </a:effectRef>
+          <a:fontRef idx="minor">
+            <a:schemeClr val="dk1"/>
+          </a:fontRef>
+        </p:style>
+        <p:txBody>
+          <a:bodyPr rtlCol="0" anchor="ctr"/>
+          <a:lstStyle/>
+          <a:p>
+            <a:pPr lvl="0" defTabSz="457200">
+              <a:buClr>
+                <a:prstClr val="white"/>
+              </a:buClr>
+              <a:buSzPct val="100000"/>
+            </a:pPr>
+            <a:r>
+              <a:rPr lang="en-US" sz="2000" dirty="0">
+                <a:solidFill>
+                  <a:srgbClr val="738AC8">
+                    <a:lumMod val="50000"/>
+                  </a:srgbClr>
+                </a:solidFill>
+                <a:latin typeface="Times New Roman" panose="02020603050405020304" pitchFamily="18" charset="0"/>
+                <a:cs typeface="Times New Roman" panose="02020603050405020304" pitchFamily="18" charset="0"/>
+              </a:rPr>
+              <a:t>Setup:</a:t>
+            </a:r>
+          </a:p>
+          <a:p>
+            <a:pPr lvl="0" defTabSz="457200">
+              <a:buClr>
+                <a:prstClr val="white"/>
+              </a:buClr>
+              <a:buSzPct val="100000"/>
+            </a:pPr>
+            <a:r>
+              <a:rPr lang="en-US" sz="2000" dirty="0">
+                <a:solidFill>
+                  <a:srgbClr val="738AC8">
+                    <a:lumMod val="50000"/>
+                  </a:srgbClr>
+                </a:solidFill>
+                <a:latin typeface="Times New Roman" panose="02020603050405020304" pitchFamily="18" charset="0"/>
+                <a:cs typeface="Times New Roman" panose="02020603050405020304" pitchFamily="18" charset="0"/>
+              </a:rPr>
+              <a:t>256 dimensional hidden layer</a:t>
+            </a:r>
+          </a:p>
+          <a:p>
+            <a:pPr lvl="0" defTabSz="457200">
+              <a:buClr>
+                <a:prstClr val="white"/>
+              </a:buClr>
+              <a:buSzPct val="100000"/>
+            </a:pPr>
+            <a:r>
+              <a:rPr lang="en-US" sz="2000" dirty="0">
+                <a:solidFill>
+                  <a:srgbClr val="738AC8">
+                    <a:lumMod val="50000"/>
+                  </a:srgbClr>
+                </a:solidFill>
+                <a:latin typeface="Times New Roman" panose="02020603050405020304" pitchFamily="18" charset="0"/>
+                <a:cs typeface="Times New Roman" panose="02020603050405020304" pitchFamily="18" charset="0"/>
+              </a:rPr>
+              <a:t>128 dimension word embeddings</a:t>
+            </a:r>
+          </a:p>
+          <a:p>
+            <a:pPr lvl="0" defTabSz="457200">
+              <a:buClr>
+                <a:prstClr val="white"/>
+              </a:buClr>
+              <a:buSzPct val="100000"/>
+            </a:pPr>
+            <a:r>
+              <a:rPr lang="en-US" sz="2000" dirty="0">
+                <a:solidFill>
+                  <a:srgbClr val="738AC8">
+                    <a:lumMod val="50000"/>
+                  </a:srgbClr>
+                </a:solidFill>
+                <a:latin typeface="Times New Roman" panose="02020603050405020304" pitchFamily="18" charset="0"/>
+                <a:cs typeface="Times New Roman" panose="02020603050405020304" pitchFamily="18" charset="0"/>
+              </a:rPr>
+              <a:t>Training on 50k words</a:t>
+            </a:r>
+          </a:p>
+          <a:p>
+            <a:pPr lvl="0" defTabSz="457200">
+              <a:buClr>
+                <a:prstClr val="white"/>
+              </a:buClr>
+              <a:buSzPct val="100000"/>
+            </a:pPr>
+            <a:r>
+              <a:rPr lang="en-US" sz="2000" dirty="0">
+                <a:solidFill>
+                  <a:srgbClr val="738AC8">
+                    <a:lumMod val="50000"/>
+                  </a:srgbClr>
+                </a:solidFill>
+                <a:latin typeface="Times New Roman" panose="02020603050405020304" pitchFamily="18" charset="0"/>
+                <a:cs typeface="Times New Roman" panose="02020603050405020304" pitchFamily="18" charset="0"/>
+              </a:rPr>
+              <a:t>No pretraining for word embeddings</a:t>
+            </a:r>
+          </a:p>
+          <a:p>
+            <a:pPr lvl="0" defTabSz="457200">
+              <a:buClr>
+                <a:prstClr val="white"/>
+              </a:buClr>
+              <a:buSzPct val="100000"/>
+            </a:pPr>
+            <a:r>
+              <a:rPr lang="en-US" sz="2000" dirty="0">
+                <a:solidFill>
+                  <a:srgbClr val="738AC8">
+                    <a:lumMod val="50000"/>
+                  </a:srgbClr>
+                </a:solidFill>
+                <a:latin typeface="Times New Roman" panose="02020603050405020304" pitchFamily="18" charset="0"/>
+                <a:cs typeface="Times New Roman" panose="02020603050405020304" pitchFamily="18" charset="0"/>
+              </a:rPr>
+              <a:t>Learned from scratch</a:t>
+            </a:r>
+          </a:p>
+          <a:p>
+            <a:pPr lvl="0" defTabSz="457200">
+              <a:buClr>
+                <a:prstClr val="white"/>
+              </a:buClr>
+              <a:buSzPct val="100000"/>
+            </a:pPr>
+            <a:r>
+              <a:rPr lang="en-US" sz="2000" dirty="0">
+                <a:solidFill>
+                  <a:srgbClr val="738AC8">
+                    <a:lumMod val="50000"/>
+                  </a:srgbClr>
+                </a:solidFill>
+                <a:latin typeface="Times New Roman" panose="02020603050405020304" pitchFamily="18" charset="0"/>
+                <a:cs typeface="Times New Roman" panose="02020603050405020304" pitchFamily="18" charset="0"/>
+              </a:rPr>
+              <a:t>Length of summary – 100 tokens</a:t>
+            </a:r>
+          </a:p>
+          <a:p>
+            <a:pPr lvl="0" defTabSz="457200">
+              <a:buClr>
+                <a:prstClr val="white"/>
+              </a:buClr>
+              <a:buSzPct val="100000"/>
+            </a:pPr>
+            <a:r>
+              <a:rPr lang="en-US" sz="2000" dirty="0">
+                <a:solidFill>
+                  <a:srgbClr val="738AC8">
+                    <a:lumMod val="50000"/>
+                  </a:srgbClr>
+                </a:solidFill>
+                <a:latin typeface="Times New Roman" panose="02020603050405020304" pitchFamily="18" charset="0"/>
+                <a:cs typeface="Times New Roman" panose="02020603050405020304" pitchFamily="18" charset="0"/>
+              </a:rPr>
+              <a:t>Length of articles 400 words</a:t>
+            </a:r>
+          </a:p>
+          <a:p>
+            <a:pPr algn="ctr"/>
+            <a:endParaRPr lang="en-US" dirty="0"/>
+          </a:p>
+        </p:txBody>
+      </p:sp>
+      <p:pic>
+        <p:nvPicPr>
+          <p:cNvPr id="58" name="Picture 57" descr="/Users/anitharanganathan/Downloads/T1_Sentient_FrontEnd_BBC.png">
+            <a:extLst>
+              <a:ext uri="{FF2B5EF4-FFF2-40B4-BE49-F238E27FC236}">
+                <a16:creationId xmlns:a16="http://schemas.microsoft.com/office/drawing/2014/main" id="{4760F54F-5B7C-417C-B98F-061938C93E2D}"/>
+              </a:ext>
+            </a:extLst>
+          </p:cNvPr>
+          <p:cNvPicPr/>
+          <p:nvPr/>
+        </p:nvPicPr>
+        <p:blipFill>
+          <a:blip r:embed="rId27" cstate="print">
+            <a:extLst>
+              <a:ext uri="{28A0092B-C50C-407E-A947-70E740481C1C}">
+                <a14:useLocalDpi xmlns:a14="http://schemas.microsoft.com/office/drawing/2010/main" val="0"/>
+              </a:ext>
+            </a:extLst>
+          </a:blip>
+          <a:srcRect/>
+          <a:stretch>
+            <a:fillRect/>
+          </a:stretch>
+        </p:blipFill>
+        <p:spPr bwMode="auto">
+          <a:xfrm>
+            <a:off x="33008279" y="22916800"/>
+            <a:ext cx="4303122" cy="2622466"/>
           </a:xfrm>
           <a:prstGeom prst="rect">
             <a:avLst/>
           </a:prstGeom>
           <a:noFill/>
+          <a:ln>
+            <a:noFill/>
+          </a:ln>
         </p:spPr>
+      </p:pic>
+      <p:pic>
+        <p:nvPicPr>
+          <p:cNvPr id="59" name="Picture 58" descr="/Users/anitharanganathan/Downloads/Screen Shot 2017-11-26 at 5.57.20 PM.png">
+            <a:extLst>
+              <a:ext uri="{FF2B5EF4-FFF2-40B4-BE49-F238E27FC236}">
+                <a16:creationId xmlns:a16="http://schemas.microsoft.com/office/drawing/2014/main" id="{7A063822-A803-4C36-9E5F-A2020D8D4651}"/>
+              </a:ext>
+            </a:extLst>
+          </p:cNvPr>
+          <p:cNvPicPr/>
+          <p:nvPr/>
+        </p:nvPicPr>
+        <p:blipFill>
+          <a:blip r:embed="rId28">
+            <a:extLst>
+              <a:ext uri="{28A0092B-C50C-407E-A947-70E740481C1C}">
+                <a14:useLocalDpi xmlns:a14="http://schemas.microsoft.com/office/drawing/2010/main" val="0"/>
+              </a:ext>
+            </a:extLst>
+          </a:blip>
+          <a:srcRect/>
+          <a:stretch>
+            <a:fillRect/>
+          </a:stretch>
+        </p:blipFill>
+        <p:spPr bwMode="auto">
+          <a:xfrm>
+            <a:off x="37553453" y="22933438"/>
+            <a:ext cx="5490491" cy="2622466"/>
+          </a:xfrm>
+          <a:prstGeom prst="rect">
+            <a:avLst/>
+          </a:prstGeom>
+          <a:noFill/>
+          <a:ln>
+            <a:noFill/>
+          </a:ln>
+        </p:spPr>
+      </p:pic>
+      <p:pic>
+        <p:nvPicPr>
+          <p:cNvPr id="61" name="Picture 60" descr="/Users/anitharanganathan/Desktop/Screenshots_CC/Screen Shot 2017-11-26 at 7.04.30 PM.png">
+            <a:extLst>
+              <a:ext uri="{FF2B5EF4-FFF2-40B4-BE49-F238E27FC236}">
+                <a16:creationId xmlns:a16="http://schemas.microsoft.com/office/drawing/2014/main" id="{D18352FE-5D49-40D4-9FEC-286A47FEB4CC}"/>
+              </a:ext>
+            </a:extLst>
+          </p:cNvPr>
+          <p:cNvPicPr/>
+          <p:nvPr/>
+        </p:nvPicPr>
+        <p:blipFill>
+          <a:blip r:embed="rId29" cstate="print">
+            <a:extLst>
+              <a:ext uri="{28A0092B-C50C-407E-A947-70E740481C1C}">
+                <a14:useLocalDpi xmlns:a14="http://schemas.microsoft.com/office/drawing/2010/main" val="0"/>
+              </a:ext>
+            </a:extLst>
+          </a:blip>
+          <a:srcRect/>
+          <a:stretch>
+            <a:fillRect/>
+          </a:stretch>
+        </p:blipFill>
+        <p:spPr bwMode="auto">
+          <a:xfrm>
+            <a:off x="40247176" y="25779294"/>
+            <a:ext cx="2860991" cy="2052525"/>
+          </a:xfrm>
+          <a:prstGeom prst="rect">
+            <a:avLst/>
+          </a:prstGeom>
+          <a:noFill/>
+          <a:ln>
+            <a:noFill/>
+          </a:ln>
+        </p:spPr>
+      </p:pic>
+      <p:sp>
+        <p:nvSpPr>
+          <p:cNvPr id="9" name="Rectangle 8">
+            <a:extLst>
+              <a:ext uri="{FF2B5EF4-FFF2-40B4-BE49-F238E27FC236}">
+                <a16:creationId xmlns:a16="http://schemas.microsoft.com/office/drawing/2014/main" id="{90E39EA3-1FCC-41AC-B1F5-4E19B09C0BC9}"/>
+              </a:ext>
+            </a:extLst>
+          </p:cNvPr>
+          <p:cNvSpPr/>
+          <p:nvPr/>
+        </p:nvSpPr>
+        <p:spPr>
+          <a:xfrm>
+            <a:off x="34320566" y="13699028"/>
+            <a:ext cx="1584176" cy="432172"/>
+          </a:xfrm>
+          <a:prstGeom prst="rect">
+            <a:avLst/>
+          </a:prstGeom>
+          <a:solidFill>
+            <a:schemeClr val="tx1"/>
+          </a:solidFill>
+          <a:ln>
+            <a:solidFill>
+              <a:schemeClr val="tx1"/>
+            </a:solidFill>
+          </a:ln>
+        </p:spPr>
+        <p:style>
+          <a:lnRef idx="2">
+            <a:schemeClr val="accent1">
+              <a:shade val="50000"/>
+            </a:schemeClr>
+          </a:lnRef>
+          <a:fillRef idx="1">
+            <a:schemeClr val="accent1"/>
+          </a:fillRef>
+          <a:effectRef idx="0">
+            <a:schemeClr val="accent1"/>
+          </a:effectRef>
+          <a:fontRef idx="minor">
+            <a:schemeClr val="lt1"/>
+          </a:fontRef>
+        </p:style>
         <p:txBody>
-          <a:bodyPr wrap="square" rtlCol="0">
-            <a:spAutoFit/>
-          </a:bodyPr>
+          <a:bodyPr rtlCol="0" anchor="ctr"/>
           <a:lstStyle/>
           <a:p>
-            <a:pPr lvl="0" defTabSz="457200">
-              <a:spcBef>
-                <a:spcPct val="20000"/>
-              </a:spcBef>
-              <a:spcAft>
-                <a:spcPts val="600"/>
-              </a:spcAft>
-              <a:buClr>
-                <a:prstClr val="white"/>
-              </a:buClr>
-              <a:buSzPct val="100000"/>
-            </a:pPr>
-            <a:r>
-              <a:rPr lang="en-US" sz="2800" dirty="0">
-                <a:solidFill>
-                  <a:srgbClr val="738AC8">
-                    <a:lumMod val="50000"/>
-                  </a:srgbClr>
-                </a:solidFill>
-                <a:latin typeface="Times New Roman" panose="02020603050405020304" pitchFamily="18" charset="0"/>
-                <a:cs typeface="Times New Roman" panose="02020603050405020304" pitchFamily="18" charset="0"/>
-              </a:rPr>
-              <a:t>Setup:</a:t>
-            </a:r>
-          </a:p>
-          <a:p>
-            <a:pPr lvl="0" defTabSz="457200">
-              <a:spcBef>
-                <a:spcPct val="20000"/>
-              </a:spcBef>
-              <a:spcAft>
-                <a:spcPts val="600"/>
-              </a:spcAft>
-              <a:buClr>
-                <a:prstClr val="white"/>
-              </a:buClr>
-              <a:buSzPct val="100000"/>
-            </a:pPr>
-            <a:r>
-              <a:rPr lang="en-US" sz="2800" dirty="0">
-                <a:solidFill>
-                  <a:srgbClr val="738AC8">
-                    <a:lumMod val="50000"/>
-                  </a:srgbClr>
-                </a:solidFill>
-                <a:latin typeface="Times New Roman" panose="02020603050405020304" pitchFamily="18" charset="0"/>
-                <a:cs typeface="Times New Roman" panose="02020603050405020304" pitchFamily="18" charset="0"/>
-              </a:rPr>
-              <a:t>256 dimensional hidden layer</a:t>
-            </a:r>
-          </a:p>
-          <a:p>
-            <a:pPr lvl="0" defTabSz="457200">
-              <a:spcBef>
-                <a:spcPct val="20000"/>
-              </a:spcBef>
-              <a:spcAft>
-                <a:spcPts val="600"/>
-              </a:spcAft>
-              <a:buClr>
-                <a:prstClr val="white"/>
-              </a:buClr>
-              <a:buSzPct val="100000"/>
-            </a:pPr>
-            <a:r>
-              <a:rPr lang="en-US" sz="2800" dirty="0">
-                <a:solidFill>
-                  <a:srgbClr val="738AC8">
-                    <a:lumMod val="50000"/>
-                  </a:srgbClr>
-                </a:solidFill>
-                <a:latin typeface="Times New Roman" panose="02020603050405020304" pitchFamily="18" charset="0"/>
-                <a:cs typeface="Times New Roman" panose="02020603050405020304" pitchFamily="18" charset="0"/>
-              </a:rPr>
-              <a:t>128 dimension word embeddings</a:t>
-            </a:r>
-          </a:p>
-          <a:p>
-            <a:pPr lvl="0" defTabSz="457200">
-              <a:spcBef>
-                <a:spcPct val="20000"/>
-              </a:spcBef>
-              <a:spcAft>
-                <a:spcPts val="600"/>
-              </a:spcAft>
-              <a:buClr>
-                <a:prstClr val="white"/>
-              </a:buClr>
-              <a:buSzPct val="100000"/>
-            </a:pPr>
-            <a:r>
-              <a:rPr lang="en-US" sz="2800" dirty="0">
-                <a:solidFill>
-                  <a:srgbClr val="738AC8">
-                    <a:lumMod val="50000"/>
-                  </a:srgbClr>
-                </a:solidFill>
-                <a:latin typeface="Times New Roman" panose="02020603050405020304" pitchFamily="18" charset="0"/>
-                <a:cs typeface="Times New Roman" panose="02020603050405020304" pitchFamily="18" charset="0"/>
-              </a:rPr>
-              <a:t>Training on 50k words</a:t>
-            </a:r>
-          </a:p>
-          <a:p>
-            <a:pPr lvl="0" defTabSz="457200">
-              <a:spcBef>
-                <a:spcPct val="20000"/>
-              </a:spcBef>
-              <a:spcAft>
-                <a:spcPts val="600"/>
-              </a:spcAft>
-              <a:buClr>
-                <a:prstClr val="white"/>
-              </a:buClr>
-              <a:buSzPct val="100000"/>
-            </a:pPr>
-            <a:r>
-              <a:rPr lang="en-US" sz="2800" dirty="0">
-                <a:solidFill>
-                  <a:srgbClr val="738AC8">
-                    <a:lumMod val="50000"/>
-                  </a:srgbClr>
-                </a:solidFill>
-                <a:latin typeface="Times New Roman" panose="02020603050405020304" pitchFamily="18" charset="0"/>
-                <a:cs typeface="Times New Roman" panose="02020603050405020304" pitchFamily="18" charset="0"/>
-              </a:rPr>
-              <a:t>No pretraining for word embeddings</a:t>
-            </a:r>
-          </a:p>
-          <a:p>
-            <a:pPr lvl="0" defTabSz="457200">
-              <a:spcBef>
-                <a:spcPct val="20000"/>
-              </a:spcBef>
-              <a:spcAft>
-                <a:spcPts val="600"/>
-              </a:spcAft>
-              <a:buClr>
-                <a:prstClr val="white"/>
-              </a:buClr>
-              <a:buSzPct val="100000"/>
-            </a:pPr>
-            <a:r>
-              <a:rPr lang="en-US" sz="2800" dirty="0">
-                <a:solidFill>
-                  <a:srgbClr val="738AC8">
-                    <a:lumMod val="50000"/>
-                  </a:srgbClr>
-                </a:solidFill>
-                <a:latin typeface="Times New Roman" panose="02020603050405020304" pitchFamily="18" charset="0"/>
-                <a:cs typeface="Times New Roman" panose="02020603050405020304" pitchFamily="18" charset="0"/>
-              </a:rPr>
-              <a:t>Learned from scratch</a:t>
-            </a:r>
-          </a:p>
-          <a:p>
-            <a:pPr lvl="0" defTabSz="457200">
-              <a:spcBef>
-                <a:spcPct val="20000"/>
-              </a:spcBef>
-              <a:spcAft>
-                <a:spcPts val="600"/>
-              </a:spcAft>
-              <a:buClr>
-                <a:prstClr val="white"/>
-              </a:buClr>
-              <a:buSzPct val="100000"/>
-            </a:pPr>
-            <a:r>
-              <a:rPr lang="en-US" sz="2800" dirty="0">
-                <a:solidFill>
-                  <a:srgbClr val="738AC8">
-                    <a:lumMod val="50000"/>
-                  </a:srgbClr>
-                </a:solidFill>
-                <a:latin typeface="Times New Roman" panose="02020603050405020304" pitchFamily="18" charset="0"/>
-                <a:cs typeface="Times New Roman" panose="02020603050405020304" pitchFamily="18" charset="0"/>
-              </a:rPr>
-              <a:t>Length of summary – 100 tokens</a:t>
-            </a:r>
-          </a:p>
-          <a:p>
-            <a:pPr lvl="0" defTabSz="457200">
-              <a:spcBef>
-                <a:spcPct val="20000"/>
-              </a:spcBef>
-              <a:spcAft>
-                <a:spcPts val="600"/>
-              </a:spcAft>
-              <a:buClr>
-                <a:prstClr val="white"/>
-              </a:buClr>
-              <a:buSzPct val="100000"/>
-            </a:pPr>
-            <a:r>
-              <a:rPr lang="en-US" sz="2800" dirty="0">
-                <a:solidFill>
-                  <a:srgbClr val="738AC8">
-                    <a:lumMod val="50000"/>
-                  </a:srgbClr>
-                </a:solidFill>
-                <a:latin typeface="Times New Roman" panose="02020603050405020304" pitchFamily="18" charset="0"/>
-                <a:cs typeface="Times New Roman" panose="02020603050405020304" pitchFamily="18" charset="0"/>
-              </a:rPr>
-              <a:t>Length of articles 400 words</a:t>
-            </a:r>
-          </a:p>
-          <a:p>
-            <a:endParaRPr lang="en-US" dirty="0"/>
+            <a:pPr algn="ctr"/>
+            <a:endParaRPr lang="en-US"/>
+          </a:p>
+        </p:txBody>
+      </p:sp>
+      <p:sp>
+        <p:nvSpPr>
+          <p:cNvPr id="15" name="Rectangle 14">
+            <a:extLst>
+              <a:ext uri="{FF2B5EF4-FFF2-40B4-BE49-F238E27FC236}">
+                <a16:creationId xmlns:a16="http://schemas.microsoft.com/office/drawing/2014/main" id="{5C86C0A6-85B5-4294-9FD0-7F7D15B6F445}"/>
+              </a:ext>
+            </a:extLst>
+          </p:cNvPr>
+          <p:cNvSpPr/>
+          <p:nvPr/>
+        </p:nvSpPr>
+        <p:spPr>
+          <a:xfrm>
+            <a:off x="29860491" y="10743084"/>
+            <a:ext cx="13270976" cy="5318745"/>
+          </a:xfrm>
+          <a:prstGeom prst="rect">
+            <a:avLst/>
+          </a:prstGeom>
+          <a:noFill/>
+          <a:ln>
+            <a:solidFill>
+              <a:srgbClr val="92D050"/>
+            </a:solidFill>
+          </a:ln>
+        </p:spPr>
+        <p:style>
+          <a:lnRef idx="2">
+            <a:schemeClr val="accent1">
+              <a:shade val="50000"/>
+            </a:schemeClr>
+          </a:lnRef>
+          <a:fillRef idx="1">
+            <a:schemeClr val="accent1"/>
+          </a:fillRef>
+          <a:effectRef idx="0">
+            <a:schemeClr val="accent1"/>
+          </a:effectRef>
+          <a:fontRef idx="minor">
+            <a:schemeClr val="lt1"/>
+          </a:fontRef>
+        </p:style>
+        <p:txBody>
+          <a:bodyPr rtlCol="0" anchor="ctr"/>
+          <a:lstStyle/>
+          <a:p>
+            <a:pPr algn="ctr"/>
+            <a:endParaRPr lang="en-US"/>
           </a:p>
         </p:txBody>
       </p:sp>
